--- a/Formation HTML.pptx
+++ b/Formation HTML.pptx
@@ -12,7 +12,6 @@
     <p:sldId id="260" r:id="rId6"/>
     <p:sldId id="261" r:id="rId7"/>
     <p:sldId id="262" r:id="rId8"/>
-    <p:sldId id="263" r:id="rId9"/>
   </p:sldIdLst>
   <p:sldSz cx="12192000" cy="6858000"/>
   <p:notesSz cx="6858000" cy="9144000"/>
@@ -111,6 +110,11 @@
       </a:defRPr>
     </a:lvl9pPr>
   </p:defaultTextStyle>
+  <p:extLst>
+    <p:ext uri="{EFAFB233-063F-42B5-8137-9DF3F51BA10A}">
+      <p15:sldGuideLst xmlns:p15="http://schemas.microsoft.com/office/powerpoint/2012/main"/>
+    </p:ext>
+  </p:extLst>
 </p:presentation>
 </file>
 
@@ -209,7 +213,7 @@
           <a:effectLst/>
           <a:extLst>
             <a:ext uri="{91240B29-F687-4f45-9708-019B960494DF}">
-              <a14:hiddenLine xmlns:a14="http://schemas.microsoft.com/office/drawing/2010/main" xmlns="" w="9525">
+              <a14:hiddenLine xmlns="" xmlns:a14="http://schemas.microsoft.com/office/drawing/2010/main" w="9525">
                 <a:solidFill>
                   <a:srgbClr val="000000"/>
                 </a:solidFill>
@@ -402,7 +406,7 @@
             <a:fld id="{08B9EBBA-996F-894A-B54A-D6246ED52CEA}" type="datetimeFigureOut">
               <a:rPr lang="en-US" dirty="0"/>
               <a:pPr/>
-              <a:t>8/1/2016</a:t>
+              <a:t>9/4/2016</a:t>
             </a:fld>
             <a:endParaRPr lang="en-US" dirty="0"/>
           </a:p>
@@ -717,7 +721,7 @@
             <a:fld id="{18C79C5D-2A6F-F04D-97DA-BEF2467B64E4}" type="datetimeFigureOut">
               <a:rPr lang="en-US" dirty="0"/>
               <a:pPr/>
-              <a:t>8/1/2016</a:t>
+              <a:t>9/4/2016</a:t>
             </a:fld>
             <a:endParaRPr lang="en-US" dirty="0"/>
           </a:p>
@@ -1202,7 +1206,7 @@
             <a:fld id="{8DFA1846-DA80-1C48-A609-854EA85C59AD}" type="datetimeFigureOut">
               <a:rPr lang="en-US" dirty="0"/>
               <a:pPr/>
-              <a:t>8/1/2016</a:t>
+              <a:t>9/4/2016</a:t>
             </a:fld>
             <a:endParaRPr lang="en-US" dirty="0"/>
           </a:p>
@@ -1568,7 +1572,7 @@
             <a:fld id="{FBF54567-0DE4-3F47-BF90-CB84690072F9}" type="datetimeFigureOut">
               <a:rPr lang="en-US" dirty="0"/>
               <a:pPr/>
-              <a:t>8/1/2016</a:t>
+              <a:t>9/4/2016</a:t>
             </a:fld>
             <a:endParaRPr lang="en-US" dirty="0"/>
           </a:p>
@@ -1719,7 +1723,7 @@
           <a:ln/>
           <a:extLst>
             <a:ext uri="{91240B29-F687-4f45-9708-019B960494DF}">
-              <a14:hiddenLine xmlns:a14="http://schemas.microsoft.com/office/drawing/2010/main" xmlns="" w="9525">
+              <a14:hiddenLine xmlns="" xmlns:a14="http://schemas.microsoft.com/office/drawing/2010/main" w="9525">
                 <a:solidFill>
                   <a:srgbClr val="000000"/>
                 </a:solidFill>
@@ -1838,7 +1842,7 @@
             <a:fld id="{C6C52C72-DE31-F449-A4ED-4C594FD91407}" type="datetimeFigureOut">
               <a:rPr lang="en-US" dirty="0"/>
               <a:pPr/>
-              <a:t>8/1/2016</a:t>
+              <a:t>9/4/2016</a:t>
             </a:fld>
             <a:endParaRPr lang="en-US" dirty="0"/>
           </a:p>
@@ -1991,7 +1995,7 @@
           <a:ln/>
           <a:extLst>
             <a:ext uri="{91240B29-F687-4f45-9708-019B960494DF}">
-              <a14:hiddenLine xmlns:a14="http://schemas.microsoft.com/office/drawing/2010/main" xmlns="" w="9525">
+              <a14:hiddenLine xmlns="" xmlns:a14="http://schemas.microsoft.com/office/drawing/2010/main" w="9525">
                 <a:solidFill>
                   <a:srgbClr val="000000"/>
                 </a:solidFill>
@@ -2120,7 +2124,7 @@
             <a:fld id="{ED62726E-379B-B349-9EED-81ED093FA806}" type="datetimeFigureOut">
               <a:rPr lang="en-US" dirty="0"/>
               <a:pPr/>
-              <a:t>8/1/2016</a:t>
+              <a:t>9/4/2016</a:t>
             </a:fld>
             <a:endParaRPr lang="en-US" dirty="0"/>
           </a:p>
@@ -2271,7 +2275,7 @@
           <a:ln/>
           <a:extLst>
             <a:ext uri="{91240B29-F687-4f45-9708-019B960494DF}">
-              <a14:hiddenLine xmlns:a14="http://schemas.microsoft.com/office/drawing/2010/main" xmlns="" w="9525">
+              <a14:hiddenLine xmlns="" xmlns:a14="http://schemas.microsoft.com/office/drawing/2010/main" w="9525">
                 <a:solidFill>
                   <a:srgbClr val="000000"/>
                 </a:solidFill>
@@ -2400,7 +2404,7 @@
             <a:fld id="{9B3A1323-8D79-1946-B0D7-40001CF92E9D}" type="datetimeFigureOut">
               <a:rPr lang="en-US" dirty="0"/>
               <a:pPr/>
-              <a:t>8/1/2016</a:t>
+              <a:t>9/4/2016</a:t>
             </a:fld>
             <a:endParaRPr lang="en-US" dirty="0"/>
           </a:p>
@@ -2740,7 +2744,7 @@
             <a:fld id="{8DFA1846-DA80-1C48-A609-854EA85C59AD}" type="datetimeFigureOut">
               <a:rPr lang="en-US" dirty="0"/>
               <a:pPr/>
-              <a:t>8/1/2016</a:t>
+              <a:t>9/4/2016</a:t>
             </a:fld>
             <a:endParaRPr lang="en-US" dirty="0"/>
           </a:p>
@@ -2891,7 +2895,7 @@
           <a:ln/>
           <a:extLst>
             <a:ext uri="{91240B29-F687-4f45-9708-019B960494DF}">
-              <a14:hiddenLine xmlns:a14="http://schemas.microsoft.com/office/drawing/2010/main" xmlns="" w="9525">
+              <a14:hiddenLine xmlns="" xmlns:a14="http://schemas.microsoft.com/office/drawing/2010/main" w="9525">
                 <a:solidFill>
                   <a:srgbClr val="000000"/>
                 </a:solidFill>
@@ -3076,7 +3080,7 @@
             <a:fld id="{57302355-E14B-8545-A8F8-0FE83CC9D524}" type="datetimeFigureOut">
               <a:rPr lang="en-US" dirty="0"/>
               <a:pPr/>
-              <a:t>8/1/2016</a:t>
+              <a:t>9/4/2016</a:t>
             </a:fld>
             <a:endParaRPr lang="en-US" dirty="0"/>
           </a:p>
@@ -3227,7 +3231,7 @@
           <a:ln/>
           <a:extLst>
             <a:ext uri="{91240B29-F687-4f45-9708-019B960494DF}">
-              <a14:hiddenLine xmlns:a14="http://schemas.microsoft.com/office/drawing/2010/main" xmlns="" w="9525">
+              <a14:hiddenLine xmlns="" xmlns:a14="http://schemas.microsoft.com/office/drawing/2010/main" w="9525">
                 <a:solidFill>
                   <a:srgbClr val="000000"/>
                 </a:solidFill>
@@ -3550,7 +3554,7 @@
             <a:fld id="{02640F58-564D-2B4F-AE67-E407BA4FCF45}" type="datetimeFigureOut">
               <a:rPr lang="en-US" dirty="0"/>
               <a:pPr/>
-              <a:t>8/1/2016</a:t>
+              <a:t>9/4/2016</a:t>
             </a:fld>
             <a:endParaRPr lang="en-US" dirty="0"/>
           </a:p>
@@ -3701,7 +3705,7 @@
           <a:ln/>
           <a:extLst>
             <a:ext uri="{91240B29-F687-4f45-9708-019B960494DF}">
-              <a14:hiddenLine xmlns:a14="http://schemas.microsoft.com/office/drawing/2010/main" xmlns="" w="9525">
+              <a14:hiddenLine xmlns="" xmlns:a14="http://schemas.microsoft.com/office/drawing/2010/main" w="9525">
                 <a:solidFill>
                   <a:srgbClr val="000000"/>
                 </a:solidFill>
@@ -3768,7 +3772,7 @@
             <a:fld id="{F13A34C8-038E-2045-AF43-DF7DBB8E0E9E}" type="datetimeFigureOut">
               <a:rPr lang="en-US" dirty="0"/>
               <a:pPr/>
-              <a:t>8/1/2016</a:t>
+              <a:t>9/4/2016</a:t>
             </a:fld>
             <a:endParaRPr lang="en-US" dirty="0"/>
           </a:p>
@@ -3860,7 +3864,7 @@
             <a:fld id="{8818C68F-D26B-8F47-958C-23B49CF8A634}" type="datetimeFigureOut">
               <a:rPr lang="en-US" dirty="0"/>
               <a:pPr/>
-              <a:t>8/1/2016</a:t>
+              <a:t>9/4/2016</a:t>
             </a:fld>
             <a:endParaRPr lang="en-US" dirty="0"/>
           </a:p>
@@ -4124,7 +4128,7 @@
           <a:ln/>
           <a:extLst>
             <a:ext uri="{91240B29-F687-4f45-9708-019B960494DF}">
-              <a14:hiddenLine xmlns:a14="http://schemas.microsoft.com/office/drawing/2010/main" xmlns="" w="9525">
+              <a14:hiddenLine xmlns="" xmlns:a14="http://schemas.microsoft.com/office/drawing/2010/main" w="9525">
                 <a:solidFill>
                   <a:srgbClr val="000000"/>
                 </a:solidFill>
@@ -4324,7 +4328,7 @@
             <a:fld id="{D0DF5E60-9974-AC48-9591-99C2BB44B7CF}" type="datetimeFigureOut">
               <a:rPr lang="en-US" dirty="0"/>
               <a:pPr/>
-              <a:t>8/1/2016</a:t>
+              <a:t>9/4/2016</a:t>
             </a:fld>
             <a:endParaRPr lang="en-US" dirty="0"/>
           </a:p>
@@ -4634,7 +4638,7 @@
             <a:fld id="{18C79C5D-2A6F-F04D-97DA-BEF2467B64E4}" type="datetimeFigureOut">
               <a:rPr lang="en-US" dirty="0"/>
               <a:pPr/>
-              <a:t>8/1/2016</a:t>
+              <a:t>9/4/2016</a:t>
             </a:fld>
             <a:endParaRPr lang="en-US" dirty="0"/>
           </a:p>
@@ -4901,7 +4905,7 @@
             <a:fld id="{09B482E8-6E0E-1B4F-B1FD-C69DB9E858D9}" type="datetimeFigureOut">
               <a:rPr lang="en-US" dirty="0"/>
               <a:pPr/>
-              <a:t>8/1/2016</a:t>
+              <a:t>9/4/2016</a:t>
             </a:fld>
             <a:endParaRPr lang="en-US" dirty="0"/>
           </a:p>
@@ -5370,7 +5374,11 @@
             <a:pPr algn="ctr"/>
             <a:r>
               <a:rPr lang="fr-FR" dirty="0" smtClean="0"/>
-              <a:t>Formation HTML/CSS/JS/GIT</a:t>
+              <a:t>Formation </a:t>
+            </a:r>
+            <a:r>
+              <a:rPr lang="fr-FR" dirty="0" smtClean="0"/>
+              <a:t>HTML/CSS/GIT</a:t>
             </a:r>
             <a:endParaRPr lang="fr-FR" dirty="0"/>
           </a:p>
@@ -6660,118 +6668,6 @@
     <p:extLst>
       <p:ext uri="{BB962C8B-B14F-4D97-AF65-F5344CB8AC3E}">
         <p14:creationId xmlns:p14="http://schemas.microsoft.com/office/powerpoint/2010/main" val="3763991889"/>
-      </p:ext>
-    </p:extLst>
-  </p:cSld>
-  <p:clrMapOvr>
-    <a:masterClrMapping/>
-  </p:clrMapOvr>
-  <p:timing>
-    <p:tnLst>
-      <p:par>
-        <p:cTn id="1" dur="indefinite" restart="never" nodeType="tmRoot"/>
-      </p:par>
-    </p:tnLst>
-  </p:timing>
-</p:sld>
-</file>
-
-<file path=ppt/slides/slide8.xml><?xml version="1.0" encoding="utf-8"?>
-<p:sld xmlns:a="http://schemas.openxmlformats.org/drawingml/2006/main" xmlns:r="http://schemas.openxmlformats.org/officeDocument/2006/relationships" xmlns:p="http://schemas.openxmlformats.org/presentationml/2006/main">
-  <p:cSld>
-    <p:spTree>
-      <p:nvGrpSpPr>
-        <p:cNvPr id="1" name=""/>
-        <p:cNvGrpSpPr/>
-        <p:nvPr/>
-      </p:nvGrpSpPr>
-      <p:grpSpPr>
-        <a:xfrm>
-          <a:off x="0" y="0"/>
-          <a:ext cx="0" cy="0"/>
-          <a:chOff x="0" y="0"/>
-          <a:chExt cx="0" cy="0"/>
-        </a:xfrm>
-      </p:grpSpPr>
-      <p:sp>
-        <p:nvSpPr>
-          <p:cNvPr id="2" name="Titre 1"/>
-          <p:cNvSpPr>
-            <a:spLocks noGrp="1"/>
-          </p:cNvSpPr>
-          <p:nvPr>
-            <p:ph type="title"/>
-          </p:nvPr>
-        </p:nvSpPr>
-        <p:spPr/>
-        <p:txBody>
-          <a:bodyPr/>
-          <a:lstStyle/>
-          <a:p>
-            <a:r>
-              <a:rPr lang="fr-FR" dirty="0"/>
-              <a:t>Chapitre </a:t>
-            </a:r>
-            <a:r>
-              <a:rPr lang="fr-FR" dirty="0" smtClean="0"/>
-              <a:t>04 JavaScript </a:t>
-            </a:r>
-            <a:r>
-              <a:rPr lang="fr-FR" dirty="0"/>
-              <a:t>– Les bases</a:t>
-            </a:r>
-          </a:p>
-        </p:txBody>
-      </p:sp>
-      <p:sp>
-        <p:nvSpPr>
-          <p:cNvPr id="3" name="Espace réservé du contenu 2"/>
-          <p:cNvSpPr>
-            <a:spLocks noGrp="1"/>
-          </p:cNvSpPr>
-          <p:nvPr>
-            <p:ph idx="1"/>
-          </p:nvPr>
-        </p:nvSpPr>
-        <p:spPr/>
-        <p:txBody>
-          <a:bodyPr/>
-          <a:lstStyle/>
-          <a:p>
-            <a:r>
-              <a:rPr lang="fr-FR" dirty="0" smtClean="0"/>
-              <a:t>JavaScript est un langage de programmation conçu pour le web</a:t>
-            </a:r>
-          </a:p>
-          <a:p>
-            <a:r>
-              <a:rPr lang="fr-FR" dirty="0" smtClean="0"/>
-              <a:t>Inventé en 1995 par Brendan Eich </a:t>
-            </a:r>
-          </a:p>
-          <a:p>
-            <a:r>
-              <a:rPr lang="fr-FR" dirty="0" smtClean="0"/>
-              <a:t>Version 7 actuel</a:t>
-            </a:r>
-          </a:p>
-          <a:p>
-            <a:r>
-              <a:rPr lang="fr-FR" dirty="0" smtClean="0"/>
-              <a:t>Utilisé aussi coté serveur avec </a:t>
-            </a:r>
-            <a:r>
-              <a:rPr lang="fr-FR" dirty="0" err="1" smtClean="0"/>
-              <a:t>NodeJs</a:t>
-            </a:r>
-            <a:endParaRPr lang="fr-FR" dirty="0"/>
-          </a:p>
-        </p:txBody>
-      </p:sp>
-    </p:spTree>
-    <p:extLst>
-      <p:ext uri="{BB962C8B-B14F-4D97-AF65-F5344CB8AC3E}">
-        <p14:creationId xmlns:p14="http://schemas.microsoft.com/office/powerpoint/2010/main" val="3089511026"/>
       </p:ext>
     </p:extLst>
   </p:cSld>

--- a/Formation HTML.pptx
+++ b/Formation HTML.pptx
@@ -6,12 +6,17 @@
   </p:sldMasterIdLst>
   <p:sldIdLst>
     <p:sldId id="256" r:id="rId2"/>
-    <p:sldId id="257" r:id="rId3"/>
-    <p:sldId id="258" r:id="rId4"/>
-    <p:sldId id="259" r:id="rId5"/>
-    <p:sldId id="260" r:id="rId6"/>
-    <p:sldId id="261" r:id="rId7"/>
-    <p:sldId id="262" r:id="rId8"/>
+    <p:sldId id="263" r:id="rId3"/>
+    <p:sldId id="257" r:id="rId4"/>
+    <p:sldId id="258" r:id="rId5"/>
+    <p:sldId id="259" r:id="rId6"/>
+    <p:sldId id="264" r:id="rId7"/>
+    <p:sldId id="260" r:id="rId8"/>
+    <p:sldId id="261" r:id="rId9"/>
+    <p:sldId id="265" r:id="rId10"/>
+    <p:sldId id="262" r:id="rId11"/>
+    <p:sldId id="266" r:id="rId12"/>
+    <p:sldId id="267" r:id="rId13"/>
   </p:sldIdLst>
   <p:sldSz cx="12192000" cy="6858000"/>
   <p:notesSz cx="6858000" cy="9144000"/>
@@ -213,7 +218,7 @@
           <a:effectLst/>
           <a:extLst>
             <a:ext uri="{91240B29-F687-4f45-9708-019B960494DF}">
-              <a14:hiddenLine xmlns="" xmlns:a14="http://schemas.microsoft.com/office/drawing/2010/main" w="9525">
+              <a14:hiddenLine xmlns:a14="http://schemas.microsoft.com/office/drawing/2010/main" xmlns="" w="9525">
                 <a:solidFill>
                   <a:srgbClr val="000000"/>
                 </a:solidFill>
@@ -406,7 +411,7 @@
             <a:fld id="{08B9EBBA-996F-894A-B54A-D6246ED52CEA}" type="datetimeFigureOut">
               <a:rPr lang="en-US" dirty="0"/>
               <a:pPr/>
-              <a:t>9/4/2016</a:t>
+              <a:t>9/9/2016</a:t>
             </a:fld>
             <a:endParaRPr lang="en-US" dirty="0"/>
           </a:p>
@@ -721,7 +726,7 @@
             <a:fld id="{18C79C5D-2A6F-F04D-97DA-BEF2467B64E4}" type="datetimeFigureOut">
               <a:rPr lang="en-US" dirty="0"/>
               <a:pPr/>
-              <a:t>9/4/2016</a:t>
+              <a:t>9/9/2016</a:t>
             </a:fld>
             <a:endParaRPr lang="en-US" dirty="0"/>
           </a:p>
@@ -1206,7 +1211,7 @@
             <a:fld id="{8DFA1846-DA80-1C48-A609-854EA85C59AD}" type="datetimeFigureOut">
               <a:rPr lang="en-US" dirty="0"/>
               <a:pPr/>
-              <a:t>9/4/2016</a:t>
+              <a:t>9/9/2016</a:t>
             </a:fld>
             <a:endParaRPr lang="en-US" dirty="0"/>
           </a:p>
@@ -1572,7 +1577,7 @@
             <a:fld id="{FBF54567-0DE4-3F47-BF90-CB84690072F9}" type="datetimeFigureOut">
               <a:rPr lang="en-US" dirty="0"/>
               <a:pPr/>
-              <a:t>9/4/2016</a:t>
+              <a:t>9/9/2016</a:t>
             </a:fld>
             <a:endParaRPr lang="en-US" dirty="0"/>
           </a:p>
@@ -1723,7 +1728,7 @@
           <a:ln/>
           <a:extLst>
             <a:ext uri="{91240B29-F687-4f45-9708-019B960494DF}">
-              <a14:hiddenLine xmlns="" xmlns:a14="http://schemas.microsoft.com/office/drawing/2010/main" w="9525">
+              <a14:hiddenLine xmlns:a14="http://schemas.microsoft.com/office/drawing/2010/main" xmlns="" w="9525">
                 <a:solidFill>
                   <a:srgbClr val="000000"/>
                 </a:solidFill>
@@ -1842,7 +1847,7 @@
             <a:fld id="{C6C52C72-DE31-F449-A4ED-4C594FD91407}" type="datetimeFigureOut">
               <a:rPr lang="en-US" dirty="0"/>
               <a:pPr/>
-              <a:t>9/4/2016</a:t>
+              <a:t>9/9/2016</a:t>
             </a:fld>
             <a:endParaRPr lang="en-US" dirty="0"/>
           </a:p>
@@ -1995,7 +2000,7 @@
           <a:ln/>
           <a:extLst>
             <a:ext uri="{91240B29-F687-4f45-9708-019B960494DF}">
-              <a14:hiddenLine xmlns="" xmlns:a14="http://schemas.microsoft.com/office/drawing/2010/main" w="9525">
+              <a14:hiddenLine xmlns:a14="http://schemas.microsoft.com/office/drawing/2010/main" xmlns="" w="9525">
                 <a:solidFill>
                   <a:srgbClr val="000000"/>
                 </a:solidFill>
@@ -2124,7 +2129,7 @@
             <a:fld id="{ED62726E-379B-B349-9EED-81ED093FA806}" type="datetimeFigureOut">
               <a:rPr lang="en-US" dirty="0"/>
               <a:pPr/>
-              <a:t>9/4/2016</a:t>
+              <a:t>9/9/2016</a:t>
             </a:fld>
             <a:endParaRPr lang="en-US" dirty="0"/>
           </a:p>
@@ -2275,7 +2280,7 @@
           <a:ln/>
           <a:extLst>
             <a:ext uri="{91240B29-F687-4f45-9708-019B960494DF}">
-              <a14:hiddenLine xmlns="" xmlns:a14="http://schemas.microsoft.com/office/drawing/2010/main" w="9525">
+              <a14:hiddenLine xmlns:a14="http://schemas.microsoft.com/office/drawing/2010/main" xmlns="" w="9525">
                 <a:solidFill>
                   <a:srgbClr val="000000"/>
                 </a:solidFill>
@@ -2404,7 +2409,7 @@
             <a:fld id="{9B3A1323-8D79-1946-B0D7-40001CF92E9D}" type="datetimeFigureOut">
               <a:rPr lang="en-US" dirty="0"/>
               <a:pPr/>
-              <a:t>9/4/2016</a:t>
+              <a:t>9/9/2016</a:t>
             </a:fld>
             <a:endParaRPr lang="en-US" dirty="0"/>
           </a:p>
@@ -2744,7 +2749,7 @@
             <a:fld id="{8DFA1846-DA80-1C48-A609-854EA85C59AD}" type="datetimeFigureOut">
               <a:rPr lang="en-US" dirty="0"/>
               <a:pPr/>
-              <a:t>9/4/2016</a:t>
+              <a:t>9/9/2016</a:t>
             </a:fld>
             <a:endParaRPr lang="en-US" dirty="0"/>
           </a:p>
@@ -2895,7 +2900,7 @@
           <a:ln/>
           <a:extLst>
             <a:ext uri="{91240B29-F687-4f45-9708-019B960494DF}">
-              <a14:hiddenLine xmlns="" xmlns:a14="http://schemas.microsoft.com/office/drawing/2010/main" w="9525">
+              <a14:hiddenLine xmlns:a14="http://schemas.microsoft.com/office/drawing/2010/main" xmlns="" w="9525">
                 <a:solidFill>
                   <a:srgbClr val="000000"/>
                 </a:solidFill>
@@ -3080,7 +3085,7 @@
             <a:fld id="{57302355-E14B-8545-A8F8-0FE83CC9D524}" type="datetimeFigureOut">
               <a:rPr lang="en-US" dirty="0"/>
               <a:pPr/>
-              <a:t>9/4/2016</a:t>
+              <a:t>9/9/2016</a:t>
             </a:fld>
             <a:endParaRPr lang="en-US" dirty="0"/>
           </a:p>
@@ -3231,7 +3236,7 @@
           <a:ln/>
           <a:extLst>
             <a:ext uri="{91240B29-F687-4f45-9708-019B960494DF}">
-              <a14:hiddenLine xmlns="" xmlns:a14="http://schemas.microsoft.com/office/drawing/2010/main" w="9525">
+              <a14:hiddenLine xmlns:a14="http://schemas.microsoft.com/office/drawing/2010/main" xmlns="" w="9525">
                 <a:solidFill>
                   <a:srgbClr val="000000"/>
                 </a:solidFill>
@@ -3554,7 +3559,7 @@
             <a:fld id="{02640F58-564D-2B4F-AE67-E407BA4FCF45}" type="datetimeFigureOut">
               <a:rPr lang="en-US" dirty="0"/>
               <a:pPr/>
-              <a:t>9/4/2016</a:t>
+              <a:t>9/9/2016</a:t>
             </a:fld>
             <a:endParaRPr lang="en-US" dirty="0"/>
           </a:p>
@@ -3705,7 +3710,7 @@
           <a:ln/>
           <a:extLst>
             <a:ext uri="{91240B29-F687-4f45-9708-019B960494DF}">
-              <a14:hiddenLine xmlns="" xmlns:a14="http://schemas.microsoft.com/office/drawing/2010/main" w="9525">
+              <a14:hiddenLine xmlns:a14="http://schemas.microsoft.com/office/drawing/2010/main" xmlns="" w="9525">
                 <a:solidFill>
                   <a:srgbClr val="000000"/>
                 </a:solidFill>
@@ -3772,7 +3777,7 @@
             <a:fld id="{F13A34C8-038E-2045-AF43-DF7DBB8E0E9E}" type="datetimeFigureOut">
               <a:rPr lang="en-US" dirty="0"/>
               <a:pPr/>
-              <a:t>9/4/2016</a:t>
+              <a:t>9/9/2016</a:t>
             </a:fld>
             <a:endParaRPr lang="en-US" dirty="0"/>
           </a:p>
@@ -3864,7 +3869,7 @@
             <a:fld id="{8818C68F-D26B-8F47-958C-23B49CF8A634}" type="datetimeFigureOut">
               <a:rPr lang="en-US" dirty="0"/>
               <a:pPr/>
-              <a:t>9/4/2016</a:t>
+              <a:t>9/9/2016</a:t>
             </a:fld>
             <a:endParaRPr lang="en-US" dirty="0"/>
           </a:p>
@@ -4128,7 +4133,7 @@
           <a:ln/>
           <a:extLst>
             <a:ext uri="{91240B29-F687-4f45-9708-019B960494DF}">
-              <a14:hiddenLine xmlns="" xmlns:a14="http://schemas.microsoft.com/office/drawing/2010/main" w="9525">
+              <a14:hiddenLine xmlns:a14="http://schemas.microsoft.com/office/drawing/2010/main" xmlns="" w="9525">
                 <a:solidFill>
                   <a:srgbClr val="000000"/>
                 </a:solidFill>
@@ -4328,7 +4333,7 @@
             <a:fld id="{D0DF5E60-9974-AC48-9591-99C2BB44B7CF}" type="datetimeFigureOut">
               <a:rPr lang="en-US" dirty="0"/>
               <a:pPr/>
-              <a:t>9/4/2016</a:t>
+              <a:t>9/9/2016</a:t>
             </a:fld>
             <a:endParaRPr lang="en-US" dirty="0"/>
           </a:p>
@@ -4638,7 +4643,7 @@
             <a:fld id="{18C79C5D-2A6F-F04D-97DA-BEF2467B64E4}" type="datetimeFigureOut">
               <a:rPr lang="en-US" dirty="0"/>
               <a:pPr/>
-              <a:t>9/4/2016</a:t>
+              <a:t>9/9/2016</a:t>
             </a:fld>
             <a:endParaRPr lang="en-US" dirty="0"/>
           </a:p>
@@ -4905,7 +4910,7 @@
             <a:fld id="{09B482E8-6E0E-1B4F-B1FD-C69DB9E858D9}" type="datetimeFigureOut">
               <a:rPr lang="en-US" dirty="0"/>
               <a:pPr/>
-              <a:t>9/4/2016</a:t>
+              <a:t>9/9/2016</a:t>
             </a:fld>
             <a:endParaRPr lang="en-US" dirty="0"/>
           </a:p>
@@ -5374,11 +5379,7 @@
             <a:pPr algn="ctr"/>
             <a:r>
               <a:rPr lang="fr-FR" dirty="0" smtClean="0"/>
-              <a:t>Formation </a:t>
-            </a:r>
-            <a:r>
-              <a:rPr lang="fr-FR" dirty="0" smtClean="0"/>
-              <a:t>HTML/CSS/GIT</a:t>
+              <a:t>Formation HTML/CSS/GIT</a:t>
             </a:r>
             <a:endParaRPr lang="fr-FR" dirty="0"/>
           </a:p>
@@ -5407,6 +5408,372 @@
     <p:extLst>
       <p:ext uri="{BB962C8B-B14F-4D97-AF65-F5344CB8AC3E}">
         <p14:creationId xmlns:p14="http://schemas.microsoft.com/office/powerpoint/2010/main" val="2632163043"/>
+      </p:ext>
+    </p:extLst>
+  </p:cSld>
+  <p:clrMapOvr>
+    <a:masterClrMapping/>
+  </p:clrMapOvr>
+  <p:timing>
+    <p:tnLst>
+      <p:par>
+        <p:cTn id="1" dur="indefinite" restart="never" nodeType="tmRoot"/>
+      </p:par>
+    </p:tnLst>
+  </p:timing>
+</p:sld>
+</file>
+
+<file path=ppt/slides/slide10.xml><?xml version="1.0" encoding="utf-8"?>
+<p:sld xmlns:a="http://schemas.openxmlformats.org/drawingml/2006/main" xmlns:r="http://schemas.openxmlformats.org/officeDocument/2006/relationships" xmlns:p="http://schemas.openxmlformats.org/presentationml/2006/main">
+  <p:cSld>
+    <p:spTree>
+      <p:nvGrpSpPr>
+        <p:cNvPr id="1" name=""/>
+        <p:cNvGrpSpPr/>
+        <p:nvPr/>
+      </p:nvGrpSpPr>
+      <p:grpSpPr>
+        <a:xfrm>
+          <a:off x="0" y="0"/>
+          <a:ext cx="0" cy="0"/>
+          <a:chOff x="0" y="0"/>
+          <a:chExt cx="0" cy="0"/>
+        </a:xfrm>
+      </p:grpSpPr>
+      <p:sp>
+        <p:nvSpPr>
+          <p:cNvPr id="2" name="Titre 1"/>
+          <p:cNvSpPr>
+            <a:spLocks noGrp="1"/>
+          </p:cNvSpPr>
+          <p:nvPr>
+            <p:ph type="title"/>
+          </p:nvPr>
+        </p:nvSpPr>
+        <p:spPr/>
+        <p:txBody>
+          <a:bodyPr/>
+          <a:lstStyle/>
+          <a:p>
+            <a:r>
+              <a:rPr lang="fr-FR" dirty="0"/>
+              <a:t>Chapitre </a:t>
+            </a:r>
+            <a:r>
+              <a:rPr lang="fr-FR" dirty="0" smtClean="0"/>
+              <a:t>03 GIT </a:t>
+            </a:r>
+            <a:r>
+              <a:rPr lang="fr-FR" dirty="0"/>
+              <a:t>– </a:t>
+            </a:r>
+            <a:r>
+              <a:rPr lang="fr-FR" dirty="0" smtClean="0"/>
+              <a:t>Les bases</a:t>
+            </a:r>
+            <a:endParaRPr lang="fr-FR" dirty="0"/>
+          </a:p>
+        </p:txBody>
+      </p:sp>
+      <p:sp>
+        <p:nvSpPr>
+          <p:cNvPr id="3" name="Espace réservé du contenu 2"/>
+          <p:cNvSpPr>
+            <a:spLocks noGrp="1"/>
+          </p:cNvSpPr>
+          <p:nvPr>
+            <p:ph idx="1"/>
+          </p:nvPr>
+        </p:nvSpPr>
+        <p:spPr/>
+        <p:txBody>
+          <a:bodyPr/>
+          <a:lstStyle/>
+          <a:p>
+            <a:r>
+              <a:rPr lang="fr-FR" dirty="0"/>
+              <a:t>Les logiciels de gestion de versions sont utilisés principalement par les </a:t>
+            </a:r>
+            <a:r>
+              <a:rPr lang="fr-FR" dirty="0" smtClean="0"/>
+              <a:t>développeurs.</a:t>
+            </a:r>
+          </a:p>
+          <a:p>
+            <a:r>
+              <a:rPr lang="fr-FR" dirty="0" smtClean="0"/>
+              <a:t>Permets d’avoir un historique d’un fichier.</a:t>
+            </a:r>
+          </a:p>
+          <a:p>
+            <a:r>
+              <a:rPr lang="fr-FR" dirty="0" smtClean="0"/>
+              <a:t>De travailler à plusieurs sans se marcher dessus</a:t>
+            </a:r>
+            <a:r>
+              <a:rPr lang="fr-FR" dirty="0" smtClean="0"/>
+              <a:t>.</a:t>
+            </a:r>
+          </a:p>
+          <a:p>
+            <a:r>
+              <a:rPr lang="fr-FR" dirty="0" smtClean="0"/>
+              <a:t>Multiplateformes</a:t>
+            </a:r>
+            <a:endParaRPr lang="fr-FR" dirty="0"/>
+          </a:p>
+        </p:txBody>
+      </p:sp>
+    </p:spTree>
+    <p:extLst>
+      <p:ext uri="{BB962C8B-B14F-4D97-AF65-F5344CB8AC3E}">
+        <p14:creationId xmlns:p14="http://schemas.microsoft.com/office/powerpoint/2010/main" val="3763991889"/>
+      </p:ext>
+    </p:extLst>
+  </p:cSld>
+  <p:clrMapOvr>
+    <a:masterClrMapping/>
+  </p:clrMapOvr>
+  <p:timing>
+    <p:tnLst>
+      <p:par>
+        <p:cTn id="1" dur="indefinite" restart="never" nodeType="tmRoot"/>
+      </p:par>
+    </p:tnLst>
+  </p:timing>
+</p:sld>
+</file>
+
+<file path=ppt/slides/slide11.xml><?xml version="1.0" encoding="utf-8"?>
+<p:sld xmlns:a="http://schemas.openxmlformats.org/drawingml/2006/main" xmlns:r="http://schemas.openxmlformats.org/officeDocument/2006/relationships" xmlns:p="http://schemas.openxmlformats.org/presentationml/2006/main">
+  <p:cSld>
+    <p:spTree>
+      <p:nvGrpSpPr>
+        <p:cNvPr id="1" name=""/>
+        <p:cNvGrpSpPr/>
+        <p:nvPr/>
+      </p:nvGrpSpPr>
+      <p:grpSpPr>
+        <a:xfrm>
+          <a:off x="0" y="0"/>
+          <a:ext cx="0" cy="0"/>
+          <a:chOff x="0" y="0"/>
+          <a:chExt cx="0" cy="0"/>
+        </a:xfrm>
+      </p:grpSpPr>
+      <p:sp>
+        <p:nvSpPr>
+          <p:cNvPr id="2" name="Titre 1"/>
+          <p:cNvSpPr>
+            <a:spLocks noGrp="1"/>
+          </p:cNvSpPr>
+          <p:nvPr>
+            <p:ph type="title"/>
+          </p:nvPr>
+        </p:nvSpPr>
+        <p:spPr/>
+        <p:txBody>
+          <a:bodyPr/>
+          <a:lstStyle/>
+          <a:p>
+            <a:r>
+              <a:rPr lang="fr-FR" dirty="0"/>
+              <a:t>Chapitre 03 GIT – </a:t>
+            </a:r>
+            <a:r>
+              <a:rPr lang="fr-FR" dirty="0" smtClean="0"/>
+              <a:t>Les </a:t>
+            </a:r>
+            <a:r>
+              <a:rPr lang="fr-FR" dirty="0" err="1" smtClean="0"/>
+              <a:t>branch</a:t>
+            </a:r>
+            <a:endParaRPr lang="fr-FR" dirty="0"/>
+          </a:p>
+        </p:txBody>
+      </p:sp>
+      <p:pic>
+        <p:nvPicPr>
+          <p:cNvPr id="4" name="Espace réservé du contenu 3"/>
+          <p:cNvPicPr>
+            <a:picLocks noGrp="1" noChangeAspect="1"/>
+          </p:cNvPicPr>
+          <p:nvPr>
+            <p:ph idx="1"/>
+          </p:nvPr>
+        </p:nvPicPr>
+        <p:blipFill>
+          <a:blip r:embed="rId2">
+            <a:extLst>
+              <a:ext uri="{28A0092B-C50C-407E-A947-70E740481C1C}">
+                <a14:useLocalDpi xmlns:a14="http://schemas.microsoft.com/office/drawing/2010/main" val="0"/>
+              </a:ext>
+            </a:extLst>
+          </a:blip>
+          <a:stretch>
+            <a:fillRect/>
+          </a:stretch>
+        </p:blipFill>
+        <p:spPr>
+          <a:xfrm>
+            <a:off x="281013" y="2415257"/>
+            <a:ext cx="11719406" cy="3727966"/>
+          </a:xfrm>
+        </p:spPr>
+      </p:pic>
+    </p:spTree>
+    <p:extLst>
+      <p:ext uri="{BB962C8B-B14F-4D97-AF65-F5344CB8AC3E}">
+        <p14:creationId xmlns:p14="http://schemas.microsoft.com/office/powerpoint/2010/main" val="3329455181"/>
+      </p:ext>
+    </p:extLst>
+  </p:cSld>
+  <p:clrMapOvr>
+    <a:masterClrMapping/>
+  </p:clrMapOvr>
+  <p:timing>
+    <p:tnLst>
+      <p:par>
+        <p:cTn id="1" dur="indefinite" restart="never" nodeType="tmRoot"/>
+      </p:par>
+    </p:tnLst>
+  </p:timing>
+</p:sld>
+</file>
+
+<file path=ppt/slides/slide12.xml><?xml version="1.0" encoding="utf-8"?>
+<p:sld xmlns:a="http://schemas.openxmlformats.org/drawingml/2006/main" xmlns:r="http://schemas.openxmlformats.org/officeDocument/2006/relationships" xmlns:p="http://schemas.openxmlformats.org/presentationml/2006/main">
+  <p:cSld>
+    <p:spTree>
+      <p:nvGrpSpPr>
+        <p:cNvPr id="1" name=""/>
+        <p:cNvGrpSpPr/>
+        <p:nvPr/>
+      </p:nvGrpSpPr>
+      <p:grpSpPr>
+        <a:xfrm>
+          <a:off x="0" y="0"/>
+          <a:ext cx="0" cy="0"/>
+          <a:chOff x="0" y="0"/>
+          <a:chExt cx="0" cy="0"/>
+        </a:xfrm>
+      </p:grpSpPr>
+      <p:sp>
+        <p:nvSpPr>
+          <p:cNvPr id="2" name="Titre 1"/>
+          <p:cNvSpPr>
+            <a:spLocks noGrp="1"/>
+          </p:cNvSpPr>
+          <p:nvPr>
+            <p:ph type="title"/>
+          </p:nvPr>
+        </p:nvSpPr>
+        <p:spPr/>
+        <p:txBody>
+          <a:bodyPr/>
+          <a:lstStyle/>
+          <a:p>
+            <a:r>
+              <a:rPr lang="fr-FR" dirty="0"/>
+              <a:t>Chapitre 03 GIT – Les </a:t>
+            </a:r>
+            <a:r>
+              <a:rPr lang="fr-FR" dirty="0" smtClean="0"/>
+              <a:t>commandes</a:t>
+            </a:r>
+            <a:endParaRPr lang="fr-FR" dirty="0"/>
+          </a:p>
+        </p:txBody>
+      </p:sp>
+      <p:sp>
+        <p:nvSpPr>
+          <p:cNvPr id="3" name="Espace réservé du contenu 2"/>
+          <p:cNvSpPr>
+            <a:spLocks noGrp="1"/>
+          </p:cNvSpPr>
+          <p:nvPr>
+            <p:ph idx="1"/>
+          </p:nvPr>
+        </p:nvSpPr>
+        <p:spPr/>
+        <p:txBody>
+          <a:bodyPr/>
+          <a:lstStyle/>
+          <a:p>
+            <a:r>
+              <a:rPr lang="fr-FR" dirty="0" smtClean="0"/>
+              <a:t>Git clone « url repo »</a:t>
+            </a:r>
+          </a:p>
+          <a:p>
+            <a:r>
+              <a:rPr lang="fr-FR" dirty="0" smtClean="0"/>
+              <a:t>Git </a:t>
+            </a:r>
+            <a:r>
+              <a:rPr lang="fr-FR" dirty="0" err="1" smtClean="0"/>
+              <a:t>init</a:t>
+            </a:r>
+            <a:endParaRPr lang="fr-FR" dirty="0" smtClean="0"/>
+          </a:p>
+          <a:p>
+            <a:r>
+              <a:rPr lang="fr-FR" dirty="0" smtClean="0"/>
+              <a:t>Git commit</a:t>
+            </a:r>
+          </a:p>
+          <a:p>
+            <a:r>
+              <a:rPr lang="fr-FR" dirty="0" smtClean="0"/>
+              <a:t>Git push</a:t>
+            </a:r>
+          </a:p>
+          <a:p>
+            <a:r>
+              <a:rPr lang="fr-FR" dirty="0" smtClean="0"/>
+              <a:t>Git pull</a:t>
+            </a:r>
+          </a:p>
+          <a:p>
+            <a:r>
+              <a:rPr lang="fr-FR" dirty="0" smtClean="0"/>
+              <a:t>Git </a:t>
+            </a:r>
+            <a:r>
+              <a:rPr lang="fr-FR" dirty="0" err="1" smtClean="0"/>
+              <a:t>checkout</a:t>
+            </a:r>
+            <a:endParaRPr lang="fr-FR" dirty="0" smtClean="0"/>
+          </a:p>
+          <a:p>
+            <a:r>
+              <a:rPr lang="fr-FR" dirty="0" smtClean="0"/>
+              <a:t>Git </a:t>
+            </a:r>
+            <a:r>
+              <a:rPr lang="fr-FR" dirty="0" err="1" smtClean="0"/>
+              <a:t>status</a:t>
+            </a:r>
+            <a:endParaRPr lang="fr-FR" dirty="0" smtClean="0"/>
+          </a:p>
+          <a:p>
+            <a:r>
+              <a:rPr lang="fr-FR" dirty="0" smtClean="0"/>
+              <a:t>Git </a:t>
+            </a:r>
+            <a:r>
+              <a:rPr lang="fr-FR" dirty="0" err="1" smtClean="0"/>
+              <a:t>branch</a:t>
+            </a:r>
+            <a:endParaRPr lang="fr-FR" dirty="0" smtClean="0"/>
+          </a:p>
+        </p:txBody>
+      </p:sp>
+    </p:spTree>
+    <p:extLst>
+      <p:ext uri="{BB962C8B-B14F-4D97-AF65-F5344CB8AC3E}">
+        <p14:creationId xmlns:p14="http://schemas.microsoft.com/office/powerpoint/2010/main" val="1912630354"/>
       </p:ext>
     </p:extLst>
   </p:cSld>
@@ -5440,9 +5807,38 @@
           <a:chExt cx="0" cy="0"/>
         </a:xfrm>
       </p:grpSpPr>
-      <p:sp>
-        <p:nvSpPr>
-          <p:cNvPr id="2" name="Titre 1"/>
+      <p:pic>
+        <p:nvPicPr>
+          <p:cNvPr id="5" name="Espace réservé du contenu 4"/>
+          <p:cNvPicPr>
+            <a:picLocks noGrp="1" noChangeAspect="1"/>
+          </p:cNvPicPr>
+          <p:nvPr>
+            <p:ph idx="1"/>
+          </p:nvPr>
+        </p:nvPicPr>
+        <p:blipFill>
+          <a:blip r:embed="rId2">
+            <a:extLst>
+              <a:ext uri="{28A0092B-C50C-407E-A947-70E740481C1C}">
+                <a14:useLocalDpi xmlns:a14="http://schemas.microsoft.com/office/drawing/2010/main" val="0"/>
+              </a:ext>
+            </a:extLst>
+          </a:blip>
+          <a:stretch>
+            <a:fillRect/>
+          </a:stretch>
+        </p:blipFill>
+        <p:spPr>
+          <a:xfrm>
+            <a:off x="1866948" y="2279560"/>
+            <a:ext cx="8690801" cy="4302518"/>
+          </a:xfrm>
+        </p:spPr>
+      </p:pic>
+      <p:sp>
+        <p:nvSpPr>
+          <p:cNvPr id="4" name="Titre 1"/>
           <p:cNvSpPr>
             <a:spLocks noGrp="1"/>
           </p:cNvSpPr>
@@ -5457,75 +5853,20 @@
           <a:p>
             <a:r>
               <a:rPr lang="fr-FR" dirty="0" smtClean="0"/>
-              <a:t>Chapitre 01 HTML – Les bases</a:t>
+              <a:t>Chapitre 01 HTML – </a:t>
+            </a:r>
+            <a:r>
+              <a:rPr lang="fr-FR" dirty="0" smtClean="0"/>
+              <a:t>Schéma</a:t>
             </a:r>
             <a:endParaRPr lang="fr-FR" dirty="0"/>
-          </a:p>
-        </p:txBody>
-      </p:sp>
-      <p:sp>
-        <p:nvSpPr>
-          <p:cNvPr id="3" name="Espace réservé du contenu 2"/>
-          <p:cNvSpPr>
-            <a:spLocks noGrp="1"/>
-          </p:cNvSpPr>
-          <p:nvPr>
-            <p:ph idx="1"/>
-          </p:nvPr>
-        </p:nvSpPr>
-        <p:spPr/>
-        <p:txBody>
-          <a:bodyPr/>
-          <a:lstStyle/>
-          <a:p>
-            <a:pPr>
-              <a:buFont typeface="Courier New" panose="02070309020205020404" pitchFamily="49" charset="0"/>
-              <a:buChar char="o"/>
-            </a:pPr>
-            <a:r>
-              <a:rPr lang="fr-FR" i="1" dirty="0" smtClean="0"/>
-              <a:t>Hypertext </a:t>
-            </a:r>
-            <a:r>
-              <a:rPr lang="fr-FR" i="1" dirty="0" err="1"/>
-              <a:t>Markup</a:t>
-            </a:r>
-            <a:r>
-              <a:rPr lang="fr-FR" i="1" dirty="0"/>
-              <a:t> </a:t>
-            </a:r>
-            <a:r>
-              <a:rPr lang="fr-FR" i="1" dirty="0" err="1"/>
-              <a:t>Language</a:t>
-            </a:r>
-            <a:endParaRPr lang="fr-FR" dirty="0"/>
-          </a:p>
-          <a:p>
-            <a:pPr>
-              <a:buFont typeface="Courier New" panose="02070309020205020404" pitchFamily="49" charset="0"/>
-              <a:buChar char="o"/>
-            </a:pPr>
-            <a:r>
-              <a:rPr lang="fr-FR" dirty="0" smtClean="0"/>
-              <a:t>Langage de balisage</a:t>
-            </a:r>
-          </a:p>
-          <a:p>
-            <a:pPr>
-              <a:buFont typeface="Courier New" panose="02070309020205020404" pitchFamily="49" charset="0"/>
-              <a:buChar char="o"/>
-            </a:pPr>
-            <a:r>
-              <a:rPr lang="fr-FR" dirty="0" smtClean="0"/>
-              <a:t>Inventé au début des années 90s</a:t>
-            </a:r>
           </a:p>
         </p:txBody>
       </p:sp>
     </p:spTree>
     <p:extLst>
       <p:ext uri="{BB962C8B-B14F-4D97-AF65-F5344CB8AC3E}">
-        <p14:creationId xmlns:p14="http://schemas.microsoft.com/office/powerpoint/2010/main" val="3096294686"/>
+        <p14:creationId xmlns:p14="http://schemas.microsoft.com/office/powerpoint/2010/main" val="3502035842"/>
       </p:ext>
     </p:extLst>
   </p:cSld>
@@ -5575,12 +5916,8 @@
           <a:lstStyle/>
           <a:p>
             <a:r>
-              <a:rPr lang="fr-FR" dirty="0"/>
-              <a:t>Chapitre 01 HTML </a:t>
-            </a:r>
-            <a:r>
               <a:rPr lang="fr-FR" dirty="0" smtClean="0"/>
-              <a:t>– Structure</a:t>
+              <a:t>Chapitre 01 HTML – Les bases</a:t>
             </a:r>
             <a:endParaRPr lang="fr-FR" dirty="0"/>
           </a:p>
@@ -5596,12 +5933,7 @@
             <p:ph idx="1"/>
           </p:nvPr>
         </p:nvSpPr>
-        <p:spPr>
-          <a:xfrm>
-            <a:off x="818712" y="2222287"/>
-            <a:ext cx="10554574" cy="4294891"/>
-          </a:xfrm>
-        </p:spPr>
+        <p:spPr/>
         <p:txBody>
           <a:bodyPr/>
           <a:lstStyle/>
@@ -5611,9 +5943,22 @@
               <a:buChar char="o"/>
             </a:pPr>
             <a:r>
-              <a:rPr lang="fr-FR" dirty="0" smtClean="0"/>
-              <a:t>Le HTML a une structure arborescente</a:t>
-            </a:r>
+              <a:rPr lang="fr-FR" i="1" dirty="0" smtClean="0"/>
+              <a:t>Hypertext </a:t>
+            </a:r>
+            <a:r>
+              <a:rPr lang="fr-FR" i="1" dirty="0" err="1"/>
+              <a:t>Markup</a:t>
+            </a:r>
+            <a:r>
+              <a:rPr lang="fr-FR" i="1" dirty="0"/>
+              <a:t> </a:t>
+            </a:r>
+            <a:r>
+              <a:rPr lang="fr-FR" i="1" dirty="0" err="1"/>
+              <a:t>Language</a:t>
+            </a:r>
+            <a:endParaRPr lang="fr-FR" dirty="0"/>
           </a:p>
           <a:p>
             <a:pPr>
@@ -5622,69 +5967,7 @@
             </a:pPr>
             <a:r>
               <a:rPr lang="fr-FR" dirty="0" smtClean="0"/>
-              <a:t>Le contenue d’une page commence par </a:t>
-            </a:r>
-            <a:r>
-              <a:rPr lang="fr-FR" dirty="0" smtClean="0">
-                <a:ln w="0"/>
-                <a:solidFill>
-                  <a:schemeClr val="accent1"/>
-                </a:solidFill>
-                <a:effectLst>
-                  <a:outerShdw blurRad="38100" dist="25400" dir="5400000" algn="ctr" rotWithShape="0">
-                    <a:srgbClr val="6E747A">
-                      <a:alpha val="43000"/>
-                    </a:srgbClr>
-                  </a:outerShdw>
-                </a:effectLst>
-              </a:rPr>
-              <a:t>&lt;html&gt;</a:t>
-            </a:r>
-            <a:r>
-              <a:rPr lang="fr-FR" b="1" dirty="0" smtClean="0">
-                <a:ln w="22225">
-                  <a:solidFill>
-                    <a:schemeClr val="accent2"/>
-                  </a:solidFill>
-                  <a:prstDash val="solid"/>
-                </a:ln>
-                <a:solidFill>
-                  <a:schemeClr val="accent2">
-                    <a:lumMod val="40000"/>
-                    <a:lumOff val="60000"/>
-                  </a:schemeClr>
-                </a:solidFill>
-              </a:rPr>
-              <a:t> </a:t>
-            </a:r>
-            <a:r>
-              <a:rPr lang="fr-FR" dirty="0" smtClean="0">
-                <a:ln w="0"/>
-                <a:effectLst>
-                  <a:outerShdw blurRad="38100" dist="19050" dir="2700000" algn="tl" rotWithShape="0">
-                    <a:schemeClr val="dk1">
-                      <a:alpha val="40000"/>
-                    </a:schemeClr>
-                  </a:outerShdw>
-                </a:effectLst>
-              </a:rPr>
-              <a:t>et se termine par </a:t>
-            </a:r>
-            <a:r>
-              <a:rPr lang="fr-FR" dirty="0" smtClean="0">
-                <a:ln w="0"/>
-                <a:solidFill>
-                  <a:schemeClr val="accent1"/>
-                </a:solidFill>
-                <a:effectLst>
-                  <a:outerShdw blurRad="38100" dist="25400" dir="5400000" algn="ctr" rotWithShape="0">
-                    <a:srgbClr val="6E747A">
-                      <a:alpha val="43000"/>
-                    </a:srgbClr>
-                  </a:outerShdw>
-                </a:effectLst>
-              </a:rPr>
-              <a:t>&lt;/html&gt;</a:t>
+              <a:t>Langage de balisage</a:t>
             </a:r>
           </a:p>
           <a:p>
@@ -5693,127 +5976,16 @@
               <a:buChar char="o"/>
             </a:pPr>
             <a:r>
-              <a:rPr lang="fr-FR" dirty="0" smtClean="0">
-                <a:ln w="0"/>
-                <a:effectLst>
-                  <a:outerShdw blurRad="38100" dist="19050" dir="2700000" algn="tl" rotWithShape="0">
-                    <a:schemeClr val="dk1">
-                      <a:alpha val="40000"/>
-                    </a:schemeClr>
-                  </a:outerShdw>
-                </a:effectLst>
-              </a:rPr>
-              <a:t>Les informations non affiché sont contenues dans la balise </a:t>
-            </a:r>
-            <a:r>
-              <a:rPr lang="fr-FR" dirty="0" smtClean="0">
-                <a:ln w="0"/>
-                <a:solidFill>
-                  <a:schemeClr val="accent1"/>
-                </a:solidFill>
-                <a:effectLst>
-                  <a:outerShdw blurRad="38100" dist="25400" dir="5400000" algn="ctr" rotWithShape="0">
-                    <a:srgbClr val="6E747A">
-                      <a:alpha val="43000"/>
-                    </a:srgbClr>
-                  </a:outerShdw>
-                </a:effectLst>
-              </a:rPr>
-              <a:t>&lt;</a:t>
-            </a:r>
-            <a:r>
-              <a:rPr lang="fr-FR" dirty="0" err="1" smtClean="0">
-                <a:ln w="0"/>
-                <a:solidFill>
-                  <a:schemeClr val="accent1"/>
-                </a:solidFill>
-                <a:effectLst>
-                  <a:outerShdw blurRad="38100" dist="25400" dir="5400000" algn="ctr" rotWithShape="0">
-                    <a:srgbClr val="6E747A">
-                      <a:alpha val="43000"/>
-                    </a:srgbClr>
-                  </a:outerShdw>
-                </a:effectLst>
-              </a:rPr>
-              <a:t>head</a:t>
-            </a:r>
-            <a:r>
-              <a:rPr lang="fr-FR" dirty="0" smtClean="0">
-                <a:ln w="0"/>
-                <a:solidFill>
-                  <a:schemeClr val="accent1"/>
-                </a:solidFill>
-                <a:effectLst>
-                  <a:outerShdw blurRad="38100" dist="25400" dir="5400000" algn="ctr" rotWithShape="0">
-                    <a:srgbClr val="6E747A">
-                      <a:alpha val="43000"/>
-                    </a:srgbClr>
-                  </a:outerShdw>
-                </a:effectLst>
-              </a:rPr>
-              <a:t>&gt;</a:t>
-            </a:r>
-          </a:p>
-          <a:p>
-            <a:pPr>
-              <a:buFont typeface="Courier New" panose="02070309020205020404" pitchFamily="49" charset="0"/>
-              <a:buChar char="o"/>
-            </a:pPr>
-            <a:r>
-              <a:rPr lang="fr-FR" dirty="0" smtClean="0">
-                <a:ln w="0"/>
-                <a:effectLst>
-                  <a:outerShdw blurRad="38100" dist="19050" dir="2700000" algn="tl" rotWithShape="0">
-                    <a:schemeClr val="dk1">
-                      <a:alpha val="40000"/>
-                    </a:schemeClr>
-                  </a:outerShdw>
-                </a:effectLst>
-              </a:rPr>
-              <a:t>Il existe deux type de balise: les balises en paires et les balises orphelines.</a:t>
-            </a:r>
-          </a:p>
-          <a:p>
-            <a:pPr>
-              <a:buFont typeface="Courier New" panose="02070309020205020404" pitchFamily="49" charset="0"/>
-              <a:buChar char="o"/>
-            </a:pPr>
-            <a:r>
-              <a:rPr lang="fr-FR" dirty="0" smtClean="0">
-                <a:ln w="0"/>
-                <a:effectLst>
-                  <a:outerShdw blurRad="38100" dist="19050" dir="2700000" algn="tl" rotWithShape="0">
-                    <a:schemeClr val="dk1">
-                      <a:alpha val="40000"/>
-                    </a:schemeClr>
-                  </a:outerShdw>
-                </a:effectLst>
-              </a:rPr>
-              <a:t>Le DOCTYPE est la première balise d’une page html, elle indique au navigateur qu’il s’agit d’une page web faite en HTML.</a:t>
-            </a:r>
-          </a:p>
-          <a:p>
-            <a:pPr>
-              <a:buFont typeface="Courier New" panose="02070309020205020404" pitchFamily="49" charset="0"/>
-              <a:buChar char="o"/>
-            </a:pPr>
-            <a:endParaRPr lang="fr-FR" dirty="0" smtClean="0">
-              <a:ln w="0"/>
-              <a:effectLst>
-                <a:outerShdw blurRad="38100" dist="19050" dir="2700000" algn="tl" rotWithShape="0">
-                  <a:schemeClr val="dk1">
-                    <a:alpha val="40000"/>
-                  </a:schemeClr>
-                </a:outerShdw>
-              </a:effectLst>
-            </a:endParaRPr>
+              <a:rPr lang="fr-FR" dirty="0" smtClean="0"/>
+              <a:t>Inventé au début des années 90s</a:t>
+            </a:r>
           </a:p>
         </p:txBody>
       </p:sp>
     </p:spTree>
     <p:extLst>
       <p:ext uri="{BB962C8B-B14F-4D97-AF65-F5344CB8AC3E}">
-        <p14:creationId xmlns:p14="http://schemas.microsoft.com/office/powerpoint/2010/main" val="2658176293"/>
+        <p14:creationId xmlns:p14="http://schemas.microsoft.com/office/powerpoint/2010/main" val="3096294686"/>
       </p:ext>
     </p:extLst>
   </p:cSld>
@@ -5864,11 +6036,11 @@
           <a:p>
             <a:r>
               <a:rPr lang="fr-FR" dirty="0"/>
-              <a:t>Chapitre 01 HTML – </a:t>
+              <a:t>Chapitre 01 HTML </a:t>
             </a:r>
             <a:r>
               <a:rPr lang="fr-FR" dirty="0" smtClean="0"/>
-              <a:t>Contenue</a:t>
+              <a:t>– Structure</a:t>
             </a:r>
             <a:endParaRPr lang="fr-FR" dirty="0"/>
           </a:p>
@@ -5884,17 +6056,33 @@
             <p:ph idx="1"/>
           </p:nvPr>
         </p:nvSpPr>
-        <p:spPr/>
+        <p:spPr>
+          <a:xfrm>
+            <a:off x="818712" y="2222287"/>
+            <a:ext cx="10554574" cy="4294891"/>
+          </a:xfrm>
+        </p:spPr>
         <p:txBody>
           <a:bodyPr/>
           <a:lstStyle/>
           <a:p>
-            <a:pPr marL="0" indent="0">
-              <a:buNone/>
+            <a:pPr>
+              <a:buFont typeface="Courier New" panose="02070309020205020404" pitchFamily="49" charset="0"/>
+              <a:buChar char="o"/>
             </a:pPr>
             <a:r>
               <a:rPr lang="fr-FR" dirty="0" smtClean="0"/>
-              <a:t>Pour indiquer la langue de la page : </a:t>
+              <a:t>Le HTML a une structure arborescente</a:t>
+            </a:r>
+          </a:p>
+          <a:p>
+            <a:pPr>
+              <a:buFont typeface="Courier New" panose="02070309020205020404" pitchFamily="49" charset="0"/>
+              <a:buChar char="o"/>
+            </a:pPr>
+            <a:r>
+              <a:rPr lang="fr-FR" dirty="0" smtClean="0"/>
+              <a:t>Le contenue d’une page commence par </a:t>
             </a:r>
             <a:r>
               <a:rPr lang="fr-FR" dirty="0" smtClean="0">
@@ -5910,25 +6098,37 @@
                   </a:outerShdw>
                 </a:effectLst>
               </a:rPr>
-              <a:t>&lt;html </a:t>
+              <a:t>&lt;html&gt;</a:t>
             </a:r>
             <a:r>
               <a:rPr lang="fr-FR" b="1" dirty="0" smtClean="0">
-                <a:ln w="9525">
+                <a:ln w="22225">
                   <a:solidFill>
-                    <a:schemeClr val="bg1"/>
+                    <a:schemeClr val="accent2"/>
                   </a:solidFill>
                   <a:prstDash val="solid"/>
                 </a:ln>
+                <a:solidFill>
+                  <a:schemeClr val="accent2">
+                    <a:lumMod val="40000"/>
+                    <a:lumOff val="60000"/>
+                  </a:schemeClr>
+                </a:solidFill>
+              </a:rPr>
+              <a:t> </a:t>
+            </a:r>
+            <a:r>
+              <a:rPr lang="fr-FR" dirty="0" smtClean="0">
+                <a:ln w="0"/>
                 <a:effectLst>
-                  <a:outerShdw blurRad="12700" dist="38100" dir="2700000" algn="tl" rotWithShape="0">
-                    <a:schemeClr val="bg1">
-                      <a:lumMod val="50000"/>
+                  <a:outerShdw blurRad="38100" dist="19050" dir="2700000" algn="tl" rotWithShape="0">
+                    <a:schemeClr val="dk1">
+                      <a:alpha val="40000"/>
                     </a:schemeClr>
                   </a:outerShdw>
                 </a:effectLst>
               </a:rPr>
-              <a:t>lang</a:t>
+              <a:t>et se termine par </a:t>
             </a:r>
             <a:r>
               <a:rPr lang="fr-FR" dirty="0" smtClean="0">
@@ -5944,46 +6144,13 @@
                   </a:outerShdw>
                 </a:effectLst>
               </a:rPr>
-              <a:t>=’’</a:t>
-            </a:r>
-            <a:r>
-              <a:rPr lang="fr-FR" b="1" dirty="0" err="1" smtClean="0">
-                <a:ln w="9525">
-                  <a:solidFill>
-                    <a:schemeClr val="bg1"/>
-                  </a:solidFill>
-                  <a:prstDash val="solid"/>
-                </a:ln>
-                <a:effectLst>
-                  <a:outerShdw blurRad="12700" dist="38100" dir="2700000" algn="tl" rotWithShape="0">
-                    <a:schemeClr val="bg1">
-                      <a:lumMod val="50000"/>
-                    </a:schemeClr>
-                  </a:outerShdw>
-                </a:effectLst>
-              </a:rPr>
-              <a:t>fr</a:t>
-            </a:r>
-            <a:r>
-              <a:rPr lang="fr-FR" dirty="0" smtClean="0">
-                <a:ln w="0"/>
-                <a:solidFill>
-                  <a:schemeClr val="accent1"/>
-                </a:solidFill>
-                <a:effectLst>
-                  <a:outerShdw blurRad="38100" dist="25400" dir="5400000" algn="ctr" rotWithShape="0">
-                    <a:srgbClr val="6E747A">
-                      <a:alpha val="43000"/>
-                    </a:srgbClr>
-                  </a:outerShdw>
-                </a:effectLst>
-              </a:rPr>
-              <a:t>’’&gt;</a:t>
-            </a:r>
-          </a:p>
-          <a:p>
-            <a:pPr marL="0" indent="0">
-              <a:buNone/>
+              <a:t>&lt;/html&gt;</a:t>
+            </a:r>
+          </a:p>
+          <a:p>
+            <a:pPr>
+              <a:buFont typeface="Courier New" panose="02070309020205020404" pitchFamily="49" charset="0"/>
+              <a:buChar char="o"/>
             </a:pPr>
             <a:r>
               <a:rPr lang="fr-FR" dirty="0" smtClean="0">
@@ -5996,7 +6163,7 @@
                   </a:outerShdw>
                 </a:effectLst>
               </a:rPr>
-              <a:t>Pour l’encodage des caractères à utiliser: </a:t>
+              <a:t>Les informations non affiché sont contenues dans la balise </a:t>
             </a:r>
             <a:r>
               <a:rPr lang="fr-FR" dirty="0" smtClean="0">
@@ -6028,157 +6195,7 @@
                   </a:outerShdw>
                 </a:effectLst>
               </a:rPr>
-              <a:t>meta</a:t>
-            </a:r>
-            <a:r>
-              <a:rPr lang="fr-FR" dirty="0" smtClean="0">
-                <a:ln w="0"/>
-                <a:solidFill>
-                  <a:schemeClr val="accent1"/>
-                </a:solidFill>
-                <a:effectLst>
-                  <a:outerShdw blurRad="38100" dist="25400" dir="5400000" algn="ctr" rotWithShape="0">
-                    <a:srgbClr val="6E747A">
-                      <a:alpha val="43000"/>
-                    </a:srgbClr>
-                  </a:outerShdw>
-                </a:effectLst>
-              </a:rPr>
-              <a:t> </a:t>
-            </a:r>
-            <a:r>
-              <a:rPr lang="fr-FR" dirty="0" err="1" smtClean="0">
-                <a:ln w="0"/>
-                <a:solidFill>
-                  <a:schemeClr val="accent1"/>
-                </a:solidFill>
-                <a:effectLst>
-                  <a:outerShdw blurRad="38100" dist="25400" dir="5400000" algn="ctr" rotWithShape="0">
-                    <a:srgbClr val="6E747A">
-                      <a:alpha val="43000"/>
-                    </a:srgbClr>
-                  </a:outerShdw>
-                </a:effectLst>
-              </a:rPr>
-              <a:t>charset</a:t>
-            </a:r>
-            <a:r>
-              <a:rPr lang="fr-FR" dirty="0" smtClean="0">
-                <a:ln w="0"/>
-                <a:solidFill>
-                  <a:schemeClr val="accent1"/>
-                </a:solidFill>
-                <a:effectLst>
-                  <a:outerShdw blurRad="38100" dist="25400" dir="5400000" algn="ctr" rotWithShape="0">
-                    <a:srgbClr val="6E747A">
-                      <a:alpha val="43000"/>
-                    </a:srgbClr>
-                  </a:outerShdw>
-                </a:effectLst>
-              </a:rPr>
-              <a:t>=‘’utf-8’’&gt;</a:t>
-            </a:r>
-          </a:p>
-          <a:p>
-            <a:pPr marL="0" indent="0">
-              <a:buNone/>
-            </a:pPr>
-            <a:r>
-              <a:rPr lang="fr-FR" dirty="0" smtClean="0">
-                <a:ln w="0"/>
-                <a:effectLst>
-                  <a:outerShdw blurRad="38100" dist="19050" dir="2700000" algn="tl" rotWithShape="0">
-                    <a:schemeClr val="dk1">
-                      <a:alpha val="40000"/>
-                    </a:schemeClr>
-                  </a:outerShdw>
-                </a:effectLst>
-              </a:rPr>
-              <a:t>La balise </a:t>
-            </a:r>
-            <a:r>
-              <a:rPr lang="fr-FR" dirty="0" err="1" smtClean="0">
-                <a:ln w="0"/>
-                <a:effectLst>
-                  <a:outerShdw blurRad="38100" dist="19050" dir="2700000" algn="tl" rotWithShape="0">
-                    <a:schemeClr val="dk1">
-                      <a:alpha val="40000"/>
-                    </a:schemeClr>
-                  </a:outerShdw>
-                </a:effectLst>
-              </a:rPr>
-              <a:t>title</a:t>
-            </a:r>
-            <a:r>
-              <a:rPr lang="fr-FR" dirty="0" smtClean="0">
-                <a:ln w="0"/>
-                <a:effectLst>
-                  <a:outerShdw blurRad="38100" dist="19050" dir="2700000" algn="tl" rotWithShape="0">
-                    <a:schemeClr val="dk1">
-                      <a:alpha val="40000"/>
-                    </a:schemeClr>
-                  </a:outerShdw>
-                </a:effectLst>
-              </a:rPr>
-              <a:t> dans la partie </a:t>
-            </a:r>
-            <a:r>
-              <a:rPr lang="fr-FR" dirty="0" err="1" smtClean="0">
-                <a:ln w="0"/>
-                <a:effectLst>
-                  <a:outerShdw blurRad="38100" dist="19050" dir="2700000" algn="tl" rotWithShape="0">
-                    <a:schemeClr val="dk1">
-                      <a:alpha val="40000"/>
-                    </a:schemeClr>
-                  </a:outerShdw>
-                </a:effectLst>
-              </a:rPr>
               <a:t>head</a:t>
-            </a:r>
-            <a:r>
-              <a:rPr lang="fr-FR" dirty="0" smtClean="0">
-                <a:ln w="0"/>
-                <a:effectLst>
-                  <a:outerShdw blurRad="38100" dist="19050" dir="2700000" algn="tl" rotWithShape="0">
-                    <a:schemeClr val="dk1">
-                      <a:alpha val="40000"/>
-                    </a:schemeClr>
-                  </a:outerShdw>
-                </a:effectLst>
-              </a:rPr>
-              <a:t> de la page: </a:t>
-            </a:r>
-            <a:r>
-              <a:rPr lang="fr-FR" dirty="0" smtClean="0">
-                <a:ln w="0"/>
-                <a:solidFill>
-                  <a:schemeClr val="accent1"/>
-                </a:solidFill>
-                <a:effectLst>
-                  <a:outerShdw blurRad="38100" dist="25400" dir="5400000" algn="ctr" rotWithShape="0">
-                    <a:srgbClr val="6E747A">
-                      <a:alpha val="43000"/>
-                    </a:srgbClr>
-                  </a:outerShdw>
-                </a:effectLst>
-              </a:rPr>
-              <a:t>&lt;</a:t>
-            </a:r>
-            <a:r>
-              <a:rPr lang="fr-FR" dirty="0" err="1" smtClean="0">
-                <a:ln w="0"/>
-                <a:solidFill>
-                  <a:schemeClr val="accent1"/>
-                </a:solidFill>
-                <a:effectLst>
-                  <a:outerShdw blurRad="38100" dist="25400" dir="5400000" algn="ctr" rotWithShape="0">
-                    <a:srgbClr val="6E747A">
-                      <a:alpha val="43000"/>
-                    </a:srgbClr>
-                  </a:outerShdw>
-                </a:effectLst>
-              </a:rPr>
-              <a:t>title</a:t>
             </a:r>
             <a:r>
               <a:rPr lang="fr-FR" dirty="0" smtClean="0">
@@ -6196,6 +6213,12 @@
               </a:rPr>
               <a:t>&gt;</a:t>
             </a:r>
+          </a:p>
+          <a:p>
+            <a:pPr>
+              <a:buFont typeface="Courier New" panose="02070309020205020404" pitchFamily="49" charset="0"/>
+              <a:buChar char="o"/>
+            </a:pPr>
             <a:r>
               <a:rPr lang="fr-FR" dirty="0" smtClean="0">
                 <a:ln w="0"/>
@@ -6207,60 +6230,13 @@
                   </a:outerShdw>
                 </a:effectLst>
               </a:rPr>
-              <a:t>Titre de ma page</a:t>
-            </a:r>
-            <a:r>
-              <a:rPr lang="fr-FR" dirty="0" smtClean="0">
-                <a:ln w="0"/>
-                <a:solidFill>
-                  <a:schemeClr val="accent1"/>
-                </a:solidFill>
-                <a:effectLst>
-                  <a:outerShdw blurRad="38100" dist="25400" dir="5400000" algn="ctr" rotWithShape="0">
-                    <a:srgbClr val="6E747A">
-                      <a:alpha val="43000"/>
-                    </a:srgbClr>
-                  </a:outerShdw>
-                </a:effectLst>
-              </a:rPr>
-              <a:t>&lt;/</a:t>
-            </a:r>
-            <a:r>
-              <a:rPr lang="fr-FR" dirty="0" err="1" smtClean="0">
-                <a:ln w="0"/>
-                <a:solidFill>
-                  <a:schemeClr val="accent1"/>
-                </a:solidFill>
-                <a:effectLst>
-                  <a:outerShdw blurRad="38100" dist="25400" dir="5400000" algn="ctr" rotWithShape="0">
-                    <a:srgbClr val="6E747A">
-                      <a:alpha val="43000"/>
-                    </a:srgbClr>
-                  </a:outerShdw>
-                </a:effectLst>
-              </a:rPr>
-              <a:t>title</a:t>
-            </a:r>
-            <a:r>
-              <a:rPr lang="fr-FR" dirty="0" smtClean="0">
-                <a:ln w="0"/>
-                <a:solidFill>
-                  <a:schemeClr val="accent1"/>
-                </a:solidFill>
-                <a:effectLst>
-                  <a:outerShdw blurRad="38100" dist="25400" dir="5400000" algn="ctr" rotWithShape="0">
-                    <a:srgbClr val="6E747A">
-                      <a:alpha val="43000"/>
-                    </a:srgbClr>
-                  </a:outerShdw>
-                </a:effectLst>
-              </a:rPr>
-              <a:t>&gt;</a:t>
-            </a:r>
-          </a:p>
-          <a:p>
-            <a:pPr marL="0" indent="0">
-              <a:buNone/>
+              <a:t>Il existe deux type de balise: les balises en paires et les balises orphelines.</a:t>
+            </a:r>
+          </a:p>
+          <a:p>
+            <a:pPr>
+              <a:buFont typeface="Courier New" panose="02070309020205020404" pitchFamily="49" charset="0"/>
+              <a:buChar char="o"/>
             </a:pPr>
             <a:r>
               <a:rPr lang="fr-FR" dirty="0" smtClean="0">
@@ -6273,44 +6249,21 @@
                   </a:outerShdw>
                 </a:effectLst>
               </a:rPr>
-              <a:t>Balise body contient le </a:t>
-            </a:r>
-            <a:r>
-              <a:rPr lang="fr-FR" dirty="0" err="1" smtClean="0">
-                <a:ln w="0"/>
-                <a:effectLst>
-                  <a:outerShdw blurRad="38100" dist="19050" dir="2700000" algn="tl" rotWithShape="0">
-                    <a:schemeClr val="dk1">
-                      <a:alpha val="40000"/>
-                    </a:schemeClr>
-                  </a:outerShdw>
-                </a:effectLst>
-              </a:rPr>
-              <a:t>corp</a:t>
-            </a:r>
-            <a:r>
-              <a:rPr lang="fr-FR" dirty="0" smtClean="0">
-                <a:ln w="0"/>
-                <a:effectLst>
-                  <a:outerShdw blurRad="38100" dist="19050" dir="2700000" algn="tl" rotWithShape="0">
-                    <a:schemeClr val="dk1">
-                      <a:alpha val="40000"/>
-                    </a:schemeClr>
-                  </a:outerShdw>
-                </a:effectLst>
-              </a:rPr>
-              <a:t> du site</a:t>
-            </a:r>
-            <a:endParaRPr lang="fr-FR" dirty="0">
+              <a:t>Le DOCTYPE est la première balise d’une page html, elle indique au navigateur qu’il s’agit d’une page web faite en HTML.</a:t>
+            </a:r>
+          </a:p>
+          <a:p>
+            <a:pPr>
+              <a:buFont typeface="Courier New" panose="02070309020205020404" pitchFamily="49" charset="0"/>
+              <a:buChar char="o"/>
+            </a:pPr>
+            <a:endParaRPr lang="fr-FR" dirty="0" smtClean="0">
               <a:ln w="0"/>
-              <a:solidFill>
-                <a:schemeClr val="accent1"/>
-              </a:solidFill>
               <a:effectLst>
-                <a:outerShdw blurRad="38100" dist="25400" dir="5400000" algn="ctr" rotWithShape="0">
-                  <a:srgbClr val="6E747A">
-                    <a:alpha val="43000"/>
-                  </a:srgbClr>
+                <a:outerShdw blurRad="38100" dist="19050" dir="2700000" algn="tl" rotWithShape="0">
+                  <a:schemeClr val="dk1">
+                    <a:alpha val="40000"/>
+                  </a:schemeClr>
                 </a:outerShdw>
               </a:effectLst>
             </a:endParaRPr>
@@ -6320,7 +6273,7 @@
     </p:spTree>
     <p:extLst>
       <p:ext uri="{BB962C8B-B14F-4D97-AF65-F5344CB8AC3E}">
-        <p14:creationId xmlns:p14="http://schemas.microsoft.com/office/powerpoint/2010/main" val="3019454641"/>
+        <p14:creationId xmlns:p14="http://schemas.microsoft.com/office/powerpoint/2010/main" val="2658176293"/>
       </p:ext>
     </p:extLst>
   </p:cSld>
@@ -6371,11 +6324,11 @@
           <a:p>
             <a:r>
               <a:rPr lang="fr-FR" dirty="0"/>
-              <a:t>Chapitre </a:t>
+              <a:t>Chapitre 01 HTML – </a:t>
             </a:r>
             <a:r>
               <a:rPr lang="fr-FR" dirty="0" smtClean="0"/>
-              <a:t>02 CSS – Les bases	</a:t>
+              <a:t>Contenue</a:t>
             </a:r>
             <a:endParaRPr lang="fr-FR" dirty="0"/>
           </a:p>
@@ -6400,12 +6353,92 @@
               <a:buNone/>
             </a:pPr>
             <a:r>
-              <a:rPr lang="fr-FR" b="1" dirty="0"/>
-              <a:t>F</a:t>
-            </a:r>
-            <a:r>
-              <a:rPr lang="fr-FR" b="1" dirty="0" smtClean="0"/>
-              <a:t>euilles de style en cascade</a:t>
+              <a:rPr lang="fr-FR" dirty="0" smtClean="0"/>
+              <a:t>Pour indiquer la langue de la page : </a:t>
+            </a:r>
+            <a:r>
+              <a:rPr lang="fr-FR" dirty="0" smtClean="0">
+                <a:ln w="0"/>
+                <a:solidFill>
+                  <a:schemeClr val="accent1"/>
+                </a:solidFill>
+                <a:effectLst>
+                  <a:outerShdw blurRad="38100" dist="25400" dir="5400000" algn="ctr" rotWithShape="0">
+                    <a:srgbClr val="6E747A">
+                      <a:alpha val="43000"/>
+                    </a:srgbClr>
+                  </a:outerShdw>
+                </a:effectLst>
+              </a:rPr>
+              <a:t>&lt;html </a:t>
+            </a:r>
+            <a:r>
+              <a:rPr lang="fr-FR" b="1" dirty="0" smtClean="0">
+                <a:ln w="9525">
+                  <a:solidFill>
+                    <a:schemeClr val="bg1"/>
+                  </a:solidFill>
+                  <a:prstDash val="solid"/>
+                </a:ln>
+                <a:effectLst>
+                  <a:outerShdw blurRad="12700" dist="38100" dir="2700000" algn="tl" rotWithShape="0">
+                    <a:schemeClr val="bg1">
+                      <a:lumMod val="50000"/>
+                    </a:schemeClr>
+                  </a:outerShdw>
+                </a:effectLst>
+              </a:rPr>
+              <a:t>lang</a:t>
+            </a:r>
+            <a:r>
+              <a:rPr lang="fr-FR" dirty="0" smtClean="0">
+                <a:ln w="0"/>
+                <a:solidFill>
+                  <a:schemeClr val="accent1"/>
+                </a:solidFill>
+                <a:effectLst>
+                  <a:outerShdw blurRad="38100" dist="25400" dir="5400000" algn="ctr" rotWithShape="0">
+                    <a:srgbClr val="6E747A">
+                      <a:alpha val="43000"/>
+                    </a:srgbClr>
+                  </a:outerShdw>
+                </a:effectLst>
+              </a:rPr>
+              <a:t>=’’</a:t>
+            </a:r>
+            <a:r>
+              <a:rPr lang="fr-FR" b="1" dirty="0" err="1" smtClean="0">
+                <a:ln w="9525">
+                  <a:solidFill>
+                    <a:schemeClr val="bg1"/>
+                  </a:solidFill>
+                  <a:prstDash val="solid"/>
+                </a:ln>
+                <a:effectLst>
+                  <a:outerShdw blurRad="12700" dist="38100" dir="2700000" algn="tl" rotWithShape="0">
+                    <a:schemeClr val="bg1">
+                      <a:lumMod val="50000"/>
+                    </a:schemeClr>
+                  </a:outerShdw>
+                </a:effectLst>
+              </a:rPr>
+              <a:t>fr</a:t>
+            </a:r>
+            <a:r>
+              <a:rPr lang="fr-FR" dirty="0" smtClean="0">
+                <a:ln w="0"/>
+                <a:solidFill>
+                  <a:schemeClr val="accent1"/>
+                </a:solidFill>
+                <a:effectLst>
+                  <a:outerShdw blurRad="38100" dist="25400" dir="5400000" algn="ctr" rotWithShape="0">
+                    <a:srgbClr val="6E747A">
+                      <a:alpha val="43000"/>
+                    </a:srgbClr>
+                  </a:outerShdw>
+                </a:effectLst>
+              </a:rPr>
+              <a:t>’’&gt;</a:t>
             </a:r>
           </a:p>
           <a:p>
@@ -6413,28 +6446,97 @@
               <a:buNone/>
             </a:pPr>
             <a:r>
-              <a:rPr lang="fr-FR" dirty="0"/>
-              <a:t>P</a:t>
-            </a:r>
-            <a:r>
-              <a:rPr lang="fr-FR" dirty="0" smtClean="0"/>
-              <a:t>ermet </a:t>
-            </a:r>
-            <a:r>
-              <a:rPr lang="fr-FR" dirty="0"/>
-              <a:t>de faire la mise </a:t>
-            </a:r>
-            <a:r>
-              <a:rPr lang="fr-FR" dirty="0" smtClean="0"/>
-              <a:t>en </a:t>
-            </a:r>
-            <a:r>
-              <a:rPr lang="fr-FR" dirty="0"/>
-              <a:t>page de </a:t>
-            </a:r>
-            <a:r>
-              <a:rPr lang="fr-FR" dirty="0" smtClean="0"/>
-              <a:t>votre page HTML.</a:t>
+              <a:rPr lang="fr-FR" dirty="0" smtClean="0">
+                <a:ln w="0"/>
+                <a:effectLst>
+                  <a:outerShdw blurRad="38100" dist="19050" dir="2700000" algn="tl" rotWithShape="0">
+                    <a:schemeClr val="dk1">
+                      <a:alpha val="40000"/>
+                    </a:schemeClr>
+                  </a:outerShdw>
+                </a:effectLst>
+              </a:rPr>
+              <a:t>Pour l’encodage des caractères à utiliser: </a:t>
+            </a:r>
+            <a:r>
+              <a:rPr lang="fr-FR" dirty="0" smtClean="0">
+                <a:ln w="0"/>
+                <a:solidFill>
+                  <a:schemeClr val="accent1"/>
+                </a:solidFill>
+                <a:effectLst>
+                  <a:outerShdw blurRad="38100" dist="25400" dir="5400000" algn="ctr" rotWithShape="0">
+                    <a:srgbClr val="6E747A">
+                      <a:alpha val="43000"/>
+                    </a:srgbClr>
+                  </a:outerShdw>
+                </a:effectLst>
+              </a:rPr>
+              <a:t>&lt;</a:t>
+            </a:r>
+            <a:r>
+              <a:rPr lang="fr-FR" dirty="0" err="1" smtClean="0">
+                <a:ln w="0"/>
+                <a:solidFill>
+                  <a:schemeClr val="accent1"/>
+                </a:solidFill>
+                <a:effectLst>
+                  <a:outerShdw blurRad="38100" dist="25400" dir="5400000" algn="ctr" rotWithShape="0">
+                    <a:srgbClr val="6E747A">
+                      <a:alpha val="43000"/>
+                    </a:srgbClr>
+                  </a:outerShdw>
+                </a:effectLst>
+              </a:rPr>
+              <a:t>meta</a:t>
+            </a:r>
+            <a:r>
+              <a:rPr lang="fr-FR" dirty="0" smtClean="0">
+                <a:ln w="0"/>
+                <a:solidFill>
+                  <a:schemeClr val="accent1"/>
+                </a:solidFill>
+                <a:effectLst>
+                  <a:outerShdw blurRad="38100" dist="25400" dir="5400000" algn="ctr" rotWithShape="0">
+                    <a:srgbClr val="6E747A">
+                      <a:alpha val="43000"/>
+                    </a:srgbClr>
+                  </a:outerShdw>
+                </a:effectLst>
+              </a:rPr>
+              <a:t> </a:t>
+            </a:r>
+            <a:r>
+              <a:rPr lang="fr-FR" dirty="0" err="1" smtClean="0">
+                <a:ln w="0"/>
+                <a:solidFill>
+                  <a:schemeClr val="accent1"/>
+                </a:solidFill>
+                <a:effectLst>
+                  <a:outerShdw blurRad="38100" dist="25400" dir="5400000" algn="ctr" rotWithShape="0">
+                    <a:srgbClr val="6E747A">
+                      <a:alpha val="43000"/>
+                    </a:srgbClr>
+                  </a:outerShdw>
+                </a:effectLst>
+              </a:rPr>
+              <a:t>charset</a:t>
+            </a:r>
+            <a:r>
+              <a:rPr lang="fr-FR" dirty="0" smtClean="0">
+                <a:ln w="0"/>
+                <a:solidFill>
+                  <a:schemeClr val="accent1"/>
+                </a:solidFill>
+                <a:effectLst>
+                  <a:outerShdw blurRad="38100" dist="25400" dir="5400000" algn="ctr" rotWithShape="0">
+                    <a:srgbClr val="6E747A">
+                      <a:alpha val="43000"/>
+                    </a:srgbClr>
+                  </a:outerShdw>
+                </a:effectLst>
+              </a:rPr>
+              <a:t>=‘’utf-8’’&gt;</a:t>
             </a:r>
           </a:p>
           <a:p>
@@ -6442,8 +6544,178 @@
               <a:buNone/>
             </a:pPr>
             <a:r>
-              <a:rPr lang="fr-FR" dirty="0" smtClean="0"/>
-              <a:t>Simple à comprendre long à maitriser</a:t>
+              <a:rPr lang="fr-FR" dirty="0" smtClean="0">
+                <a:ln w="0"/>
+                <a:effectLst>
+                  <a:outerShdw blurRad="38100" dist="19050" dir="2700000" algn="tl" rotWithShape="0">
+                    <a:schemeClr val="dk1">
+                      <a:alpha val="40000"/>
+                    </a:schemeClr>
+                  </a:outerShdw>
+                </a:effectLst>
+              </a:rPr>
+              <a:t>La balise </a:t>
+            </a:r>
+            <a:r>
+              <a:rPr lang="fr-FR" dirty="0" err="1" smtClean="0">
+                <a:ln w="0"/>
+                <a:effectLst>
+                  <a:outerShdw blurRad="38100" dist="19050" dir="2700000" algn="tl" rotWithShape="0">
+                    <a:schemeClr val="dk1">
+                      <a:alpha val="40000"/>
+                    </a:schemeClr>
+                  </a:outerShdw>
+                </a:effectLst>
+              </a:rPr>
+              <a:t>title</a:t>
+            </a:r>
+            <a:r>
+              <a:rPr lang="fr-FR" dirty="0" smtClean="0">
+                <a:ln w="0"/>
+                <a:effectLst>
+                  <a:outerShdw blurRad="38100" dist="19050" dir="2700000" algn="tl" rotWithShape="0">
+                    <a:schemeClr val="dk1">
+                      <a:alpha val="40000"/>
+                    </a:schemeClr>
+                  </a:outerShdw>
+                </a:effectLst>
+              </a:rPr>
+              <a:t> dans la partie </a:t>
+            </a:r>
+            <a:r>
+              <a:rPr lang="fr-FR" dirty="0" err="1" smtClean="0">
+                <a:ln w="0"/>
+                <a:effectLst>
+                  <a:outerShdw blurRad="38100" dist="19050" dir="2700000" algn="tl" rotWithShape="0">
+                    <a:schemeClr val="dk1">
+                      <a:alpha val="40000"/>
+                    </a:schemeClr>
+                  </a:outerShdw>
+                </a:effectLst>
+              </a:rPr>
+              <a:t>head</a:t>
+            </a:r>
+            <a:r>
+              <a:rPr lang="fr-FR" dirty="0" smtClean="0">
+                <a:ln w="0"/>
+                <a:effectLst>
+                  <a:outerShdw blurRad="38100" dist="19050" dir="2700000" algn="tl" rotWithShape="0">
+                    <a:schemeClr val="dk1">
+                      <a:alpha val="40000"/>
+                    </a:schemeClr>
+                  </a:outerShdw>
+                </a:effectLst>
+              </a:rPr>
+              <a:t> de la page: </a:t>
+            </a:r>
+            <a:r>
+              <a:rPr lang="fr-FR" dirty="0" smtClean="0">
+                <a:ln w="0"/>
+                <a:solidFill>
+                  <a:schemeClr val="accent1"/>
+                </a:solidFill>
+                <a:effectLst>
+                  <a:outerShdw blurRad="38100" dist="25400" dir="5400000" algn="ctr" rotWithShape="0">
+                    <a:srgbClr val="6E747A">
+                      <a:alpha val="43000"/>
+                    </a:srgbClr>
+                  </a:outerShdw>
+                </a:effectLst>
+              </a:rPr>
+              <a:t>&lt;</a:t>
+            </a:r>
+            <a:r>
+              <a:rPr lang="fr-FR" dirty="0" err="1" smtClean="0">
+                <a:ln w="0"/>
+                <a:solidFill>
+                  <a:schemeClr val="accent1"/>
+                </a:solidFill>
+                <a:effectLst>
+                  <a:outerShdw blurRad="38100" dist="25400" dir="5400000" algn="ctr" rotWithShape="0">
+                    <a:srgbClr val="6E747A">
+                      <a:alpha val="43000"/>
+                    </a:srgbClr>
+                  </a:outerShdw>
+                </a:effectLst>
+              </a:rPr>
+              <a:t>title</a:t>
+            </a:r>
+            <a:r>
+              <a:rPr lang="fr-FR" dirty="0" smtClean="0">
+                <a:ln w="0"/>
+                <a:solidFill>
+                  <a:schemeClr val="accent1"/>
+                </a:solidFill>
+                <a:effectLst>
+                  <a:outerShdw blurRad="38100" dist="25400" dir="5400000" algn="ctr" rotWithShape="0">
+                    <a:srgbClr val="6E747A">
+                      <a:alpha val="43000"/>
+                    </a:srgbClr>
+                  </a:outerShdw>
+                </a:effectLst>
+              </a:rPr>
+              <a:t>&gt;</a:t>
+            </a:r>
+            <a:r>
+              <a:rPr lang="fr-FR" dirty="0" smtClean="0">
+                <a:ln w="0"/>
+                <a:effectLst>
+                  <a:outerShdw blurRad="38100" dist="19050" dir="2700000" algn="tl" rotWithShape="0">
+                    <a:schemeClr val="dk1">
+                      <a:alpha val="40000"/>
+                    </a:schemeClr>
+                  </a:outerShdw>
+                </a:effectLst>
+              </a:rPr>
+              <a:t>Titre de ma page</a:t>
+            </a:r>
+            <a:r>
+              <a:rPr lang="fr-FR" dirty="0" smtClean="0">
+                <a:ln w="0"/>
+                <a:solidFill>
+                  <a:schemeClr val="accent1"/>
+                </a:solidFill>
+                <a:effectLst>
+                  <a:outerShdw blurRad="38100" dist="25400" dir="5400000" algn="ctr" rotWithShape="0">
+                    <a:srgbClr val="6E747A">
+                      <a:alpha val="43000"/>
+                    </a:srgbClr>
+                  </a:outerShdw>
+                </a:effectLst>
+              </a:rPr>
+              <a:t>&lt;/</a:t>
+            </a:r>
+            <a:r>
+              <a:rPr lang="fr-FR" dirty="0" err="1" smtClean="0">
+                <a:ln w="0"/>
+                <a:solidFill>
+                  <a:schemeClr val="accent1"/>
+                </a:solidFill>
+                <a:effectLst>
+                  <a:outerShdw blurRad="38100" dist="25400" dir="5400000" algn="ctr" rotWithShape="0">
+                    <a:srgbClr val="6E747A">
+                      <a:alpha val="43000"/>
+                    </a:srgbClr>
+                  </a:outerShdw>
+                </a:effectLst>
+              </a:rPr>
+              <a:t>title</a:t>
+            </a:r>
+            <a:r>
+              <a:rPr lang="fr-FR" dirty="0" smtClean="0">
+                <a:ln w="0"/>
+                <a:solidFill>
+                  <a:schemeClr val="accent1"/>
+                </a:solidFill>
+                <a:effectLst>
+                  <a:outerShdw blurRad="38100" dist="25400" dir="5400000" algn="ctr" rotWithShape="0">
+                    <a:srgbClr val="6E747A">
+                      <a:alpha val="43000"/>
+                    </a:srgbClr>
+                  </a:outerShdw>
+                </a:effectLst>
+              </a:rPr>
+              <a:t>&gt;</a:t>
             </a:r>
           </a:p>
           <a:p>
@@ -6451,17 +6723,64 @@
               <a:buNone/>
             </a:pPr>
             <a:r>
-              <a:rPr lang="fr-FR" dirty="0" smtClean="0"/>
-              <a:t>Problème de compatibilité navigateur</a:t>
-            </a:r>
-            <a:endParaRPr lang="fr-FR" dirty="0"/>
+              <a:rPr lang="fr-FR" dirty="0" smtClean="0">
+                <a:ln w="0"/>
+                <a:effectLst>
+                  <a:outerShdw blurRad="38100" dist="19050" dir="2700000" algn="tl" rotWithShape="0">
+                    <a:schemeClr val="dk1">
+                      <a:alpha val="40000"/>
+                    </a:schemeClr>
+                  </a:outerShdw>
+                </a:effectLst>
+              </a:rPr>
+              <a:t>Balise body contient le </a:t>
+            </a:r>
+            <a:r>
+              <a:rPr lang="fr-FR" dirty="0" err="1" smtClean="0">
+                <a:ln w="0"/>
+                <a:effectLst>
+                  <a:outerShdw blurRad="38100" dist="19050" dir="2700000" algn="tl" rotWithShape="0">
+                    <a:schemeClr val="dk1">
+                      <a:alpha val="40000"/>
+                    </a:schemeClr>
+                  </a:outerShdw>
+                </a:effectLst>
+              </a:rPr>
+              <a:t>corp</a:t>
+            </a:r>
+            <a:r>
+              <a:rPr lang="fr-FR" dirty="0" smtClean="0">
+                <a:ln w="0"/>
+                <a:effectLst>
+                  <a:outerShdw blurRad="38100" dist="19050" dir="2700000" algn="tl" rotWithShape="0">
+                    <a:schemeClr val="dk1">
+                      <a:alpha val="40000"/>
+                    </a:schemeClr>
+                  </a:outerShdw>
+                </a:effectLst>
+              </a:rPr>
+              <a:t> du site</a:t>
+            </a:r>
+            <a:endParaRPr lang="fr-FR" dirty="0">
+              <a:ln w="0"/>
+              <a:solidFill>
+                <a:schemeClr val="accent1"/>
+              </a:solidFill>
+              <a:effectLst>
+                <a:outerShdw blurRad="38100" dist="25400" dir="5400000" algn="ctr" rotWithShape="0">
+                  <a:srgbClr val="6E747A">
+                    <a:alpha val="43000"/>
+                  </a:srgbClr>
+                </a:outerShdw>
+              </a:effectLst>
+            </a:endParaRPr>
           </a:p>
         </p:txBody>
       </p:sp>
     </p:spTree>
     <p:extLst>
       <p:ext uri="{BB962C8B-B14F-4D97-AF65-F5344CB8AC3E}">
-        <p14:creationId xmlns:p14="http://schemas.microsoft.com/office/powerpoint/2010/main" val="2013129882"/>
+        <p14:creationId xmlns:p14="http://schemas.microsoft.com/office/powerpoint/2010/main" val="3019454641"/>
       </p:ext>
     </p:extLst>
   </p:cSld>
@@ -6512,43 +6831,49 @@
           <a:p>
             <a:r>
               <a:rPr lang="fr-FR" dirty="0"/>
-              <a:t>Chapitre 02 CSS – </a:t>
-            </a:r>
+              <a:t>Chapitre 01 HTML – Contenue</a:t>
+            </a:r>
+          </a:p>
+        </p:txBody>
+      </p:sp>
+      <p:sp>
+        <p:nvSpPr>
+          <p:cNvPr id="3" name="Espace réservé du contenu 2"/>
+          <p:cNvSpPr>
+            <a:spLocks noGrp="1"/>
+          </p:cNvSpPr>
+          <p:nvPr>
+            <p:ph idx="1"/>
+          </p:nvPr>
+        </p:nvSpPr>
+        <p:spPr/>
+        <p:txBody>
+          <a:bodyPr/>
+          <a:lstStyle/>
+          <a:p>
             <a:r>
               <a:rPr lang="fr-FR" dirty="0" smtClean="0"/>
-              <a:t>Sélecteur, attribut et valeur</a:t>
-            </a:r>
-            <a:r>
-              <a:rPr lang="fr-FR" dirty="0"/>
-              <a:t>	</a:t>
-            </a:r>
-          </a:p>
-        </p:txBody>
-      </p:sp>
-      <p:sp>
-        <p:nvSpPr>
-          <p:cNvPr id="3" name="Espace réservé du contenu 2"/>
-          <p:cNvSpPr>
-            <a:spLocks noGrp="1"/>
-          </p:cNvSpPr>
-          <p:nvPr>
-            <p:ph idx="1"/>
-          </p:nvPr>
-        </p:nvSpPr>
-        <p:spPr/>
-        <p:txBody>
-          <a:bodyPr/>
-          <a:lstStyle/>
+              <a:t>Le choix des balises a utilisé dépend du contenu qu’elles contiendront.</a:t>
+            </a:r>
+          </a:p>
           <a:p>
             <a:r>
               <a:rPr lang="fr-FR" dirty="0" smtClean="0"/>
-              <a:t>Le CSS se décompose en 3 parties le sélecteur l’attribut et sa valeur.</a:t>
+              <a:t>Les balises on des attribues et des sélecteurs (class, id).</a:t>
             </a:r>
           </a:p>
           <a:p>
             <a:r>
               <a:rPr lang="fr-FR" dirty="0" smtClean="0"/>
-              <a:t>Les classes et les id sont les sélecteurs les plus utilisés mais il en existe bien d’autres.</a:t>
+              <a:t>Les balises on une valeur sémantique </a:t>
+            </a:r>
+            <a:r>
+              <a:rPr lang="fr-FR" dirty="0" err="1" smtClean="0"/>
+              <a:t>inline</a:t>
+            </a:r>
+            <a:r>
+              <a:rPr lang="fr-FR" dirty="0" smtClean="0"/>
+              <a:t> ou block.</a:t>
             </a:r>
             <a:endParaRPr lang="fr-FR" dirty="0"/>
           </a:p>
@@ -6557,7 +6882,7 @@
     </p:spTree>
     <p:extLst>
       <p:ext uri="{BB962C8B-B14F-4D97-AF65-F5344CB8AC3E}">
-        <p14:creationId xmlns:p14="http://schemas.microsoft.com/office/powerpoint/2010/main" val="1392430169"/>
+        <p14:creationId xmlns:p14="http://schemas.microsoft.com/office/powerpoint/2010/main" val="2165070784"/>
       </p:ext>
     </p:extLst>
   </p:cSld>
@@ -6612,62 +6937,326 @@
             </a:r>
             <a:r>
               <a:rPr lang="fr-FR" dirty="0" smtClean="0"/>
-              <a:t>03 GIT </a:t>
-            </a:r>
+              <a:t>02 CSS – Les bases	</a:t>
+            </a:r>
+            <a:endParaRPr lang="fr-FR" dirty="0"/>
+          </a:p>
+        </p:txBody>
+      </p:sp>
+      <p:sp>
+        <p:nvSpPr>
+          <p:cNvPr id="3" name="Espace réservé du contenu 2"/>
+          <p:cNvSpPr>
+            <a:spLocks noGrp="1"/>
+          </p:cNvSpPr>
+          <p:nvPr>
+            <p:ph idx="1"/>
+          </p:nvPr>
+        </p:nvSpPr>
+        <p:spPr/>
+        <p:txBody>
+          <a:bodyPr/>
+          <a:lstStyle/>
+          <a:p>
+            <a:pPr marL="0" indent="0">
+              <a:buNone/>
+            </a:pPr>
+            <a:r>
+              <a:rPr lang="fr-FR" b="1" dirty="0"/>
+              <a:t>F</a:t>
+            </a:r>
+            <a:r>
+              <a:rPr lang="fr-FR" b="1" dirty="0" smtClean="0"/>
+              <a:t>euilles de style en cascade</a:t>
+            </a:r>
+          </a:p>
+          <a:p>
+            <a:pPr marL="0" indent="0">
+              <a:buNone/>
+            </a:pPr>
             <a:r>
               <a:rPr lang="fr-FR" dirty="0"/>
-              <a:t>– </a:t>
+              <a:t>P</a:t>
             </a:r>
             <a:r>
               <a:rPr lang="fr-FR" dirty="0" smtClean="0"/>
-              <a:t>Les bases</a:t>
+              <a:t>ermet </a:t>
+            </a:r>
+            <a:r>
+              <a:rPr lang="fr-FR" dirty="0"/>
+              <a:t>de faire la mise </a:t>
+            </a:r>
+            <a:r>
+              <a:rPr lang="fr-FR" dirty="0" smtClean="0"/>
+              <a:t>en </a:t>
+            </a:r>
+            <a:r>
+              <a:rPr lang="fr-FR" dirty="0"/>
+              <a:t>page de </a:t>
+            </a:r>
+            <a:r>
+              <a:rPr lang="fr-FR" dirty="0" smtClean="0"/>
+              <a:t>votre page HTML.</a:t>
+            </a:r>
+          </a:p>
+          <a:p>
+            <a:pPr marL="0" indent="0">
+              <a:buNone/>
+            </a:pPr>
+            <a:r>
+              <a:rPr lang="fr-FR" dirty="0" smtClean="0"/>
+              <a:t>Simple à comprendre long à maitriser</a:t>
+            </a:r>
+          </a:p>
+          <a:p>
+            <a:pPr marL="0" indent="0">
+              <a:buNone/>
+            </a:pPr>
+            <a:r>
+              <a:rPr lang="fr-FR" dirty="0" smtClean="0"/>
+              <a:t>Problème de compatibilité navigateur</a:t>
             </a:r>
             <a:endParaRPr lang="fr-FR" dirty="0"/>
-          </a:p>
-        </p:txBody>
-      </p:sp>
-      <p:sp>
-        <p:nvSpPr>
-          <p:cNvPr id="3" name="Espace réservé du contenu 2"/>
-          <p:cNvSpPr>
-            <a:spLocks noGrp="1"/>
-          </p:cNvSpPr>
-          <p:nvPr>
-            <p:ph idx="1"/>
-          </p:nvPr>
-        </p:nvSpPr>
-        <p:spPr/>
-        <p:txBody>
-          <a:bodyPr/>
-          <a:lstStyle/>
-          <a:p>
-            <a:r>
-              <a:rPr lang="fr-FR" dirty="0"/>
-              <a:t>Les logiciels de gestion de versions sont utilisés principalement par les </a:t>
-            </a:r>
-            <a:r>
-              <a:rPr lang="fr-FR" dirty="0" smtClean="0"/>
-              <a:t>développeurs.</a:t>
-            </a:r>
-          </a:p>
-          <a:p>
-            <a:r>
-              <a:rPr lang="fr-FR" dirty="0" smtClean="0"/>
-              <a:t>Permets d’avoir un historique d’un fichier.</a:t>
-            </a:r>
-          </a:p>
-          <a:p>
-            <a:r>
-              <a:rPr lang="fr-FR" dirty="0" smtClean="0"/>
-              <a:t>De travailler à plusieurs sans se marcher dessus.</a:t>
-            </a:r>
           </a:p>
         </p:txBody>
       </p:sp>
     </p:spTree>
     <p:extLst>
       <p:ext uri="{BB962C8B-B14F-4D97-AF65-F5344CB8AC3E}">
-        <p14:creationId xmlns:p14="http://schemas.microsoft.com/office/powerpoint/2010/main" val="3763991889"/>
+        <p14:creationId xmlns:p14="http://schemas.microsoft.com/office/powerpoint/2010/main" val="2013129882"/>
+      </p:ext>
+    </p:extLst>
+  </p:cSld>
+  <p:clrMapOvr>
+    <a:masterClrMapping/>
+  </p:clrMapOvr>
+  <p:timing>
+    <p:tnLst>
+      <p:par>
+        <p:cTn id="1" dur="indefinite" restart="never" nodeType="tmRoot"/>
+      </p:par>
+    </p:tnLst>
+  </p:timing>
+</p:sld>
+</file>
+
+<file path=ppt/slides/slide8.xml><?xml version="1.0" encoding="utf-8"?>
+<p:sld xmlns:a="http://schemas.openxmlformats.org/drawingml/2006/main" xmlns:r="http://schemas.openxmlformats.org/officeDocument/2006/relationships" xmlns:p="http://schemas.openxmlformats.org/presentationml/2006/main">
+  <p:cSld>
+    <p:spTree>
+      <p:nvGrpSpPr>
+        <p:cNvPr id="1" name=""/>
+        <p:cNvGrpSpPr/>
+        <p:nvPr/>
+      </p:nvGrpSpPr>
+      <p:grpSpPr>
+        <a:xfrm>
+          <a:off x="0" y="0"/>
+          <a:ext cx="0" cy="0"/>
+          <a:chOff x="0" y="0"/>
+          <a:chExt cx="0" cy="0"/>
+        </a:xfrm>
+      </p:grpSpPr>
+      <p:sp>
+        <p:nvSpPr>
+          <p:cNvPr id="2" name="Titre 1"/>
+          <p:cNvSpPr>
+            <a:spLocks noGrp="1"/>
+          </p:cNvSpPr>
+          <p:nvPr>
+            <p:ph type="title"/>
+          </p:nvPr>
+        </p:nvSpPr>
+        <p:spPr/>
+        <p:txBody>
+          <a:bodyPr/>
+          <a:lstStyle/>
+          <a:p>
+            <a:r>
+              <a:rPr lang="fr-FR" dirty="0"/>
+              <a:t>Chapitre 02 CSS – </a:t>
+            </a:r>
+            <a:r>
+              <a:rPr lang="fr-FR" dirty="0" smtClean="0"/>
+              <a:t>Sélecteur, attribut et valeur</a:t>
+            </a:r>
+            <a:r>
+              <a:rPr lang="fr-FR" dirty="0"/>
+              <a:t>	</a:t>
+            </a:r>
+          </a:p>
+        </p:txBody>
+      </p:sp>
+      <p:sp>
+        <p:nvSpPr>
+          <p:cNvPr id="3" name="Espace réservé du contenu 2"/>
+          <p:cNvSpPr>
+            <a:spLocks noGrp="1"/>
+          </p:cNvSpPr>
+          <p:nvPr>
+            <p:ph idx="1"/>
+          </p:nvPr>
+        </p:nvSpPr>
+        <p:spPr/>
+        <p:txBody>
+          <a:bodyPr/>
+          <a:lstStyle/>
+          <a:p>
+            <a:r>
+              <a:rPr lang="fr-FR" dirty="0" smtClean="0"/>
+              <a:t>Le CSS se décompose en 3 parties le sélecteur l’attribut et sa valeur.</a:t>
+            </a:r>
+          </a:p>
+          <a:p>
+            <a:r>
+              <a:rPr lang="fr-FR" dirty="0" smtClean="0"/>
+              <a:t>Les classes et les id sont les sélecteurs les plus utilisés mais il en existe bien d’autres.</a:t>
+            </a:r>
+            <a:endParaRPr lang="fr-FR" dirty="0"/>
+          </a:p>
+        </p:txBody>
+      </p:sp>
+    </p:spTree>
+    <p:extLst>
+      <p:ext uri="{BB962C8B-B14F-4D97-AF65-F5344CB8AC3E}">
+        <p14:creationId xmlns:p14="http://schemas.microsoft.com/office/powerpoint/2010/main" val="1392430169"/>
+      </p:ext>
+    </p:extLst>
+  </p:cSld>
+  <p:clrMapOvr>
+    <a:masterClrMapping/>
+  </p:clrMapOvr>
+  <p:timing>
+    <p:tnLst>
+      <p:par>
+        <p:cTn id="1" dur="indefinite" restart="never" nodeType="tmRoot"/>
+      </p:par>
+    </p:tnLst>
+  </p:timing>
+</p:sld>
+</file>
+
+<file path=ppt/slides/slide9.xml><?xml version="1.0" encoding="utf-8"?>
+<p:sld xmlns:a="http://schemas.openxmlformats.org/drawingml/2006/main" xmlns:r="http://schemas.openxmlformats.org/officeDocument/2006/relationships" xmlns:p="http://schemas.openxmlformats.org/presentationml/2006/main">
+  <p:cSld>
+    <p:spTree>
+      <p:nvGrpSpPr>
+        <p:cNvPr id="1" name=""/>
+        <p:cNvGrpSpPr/>
+        <p:nvPr/>
+      </p:nvGrpSpPr>
+      <p:grpSpPr>
+        <a:xfrm>
+          <a:off x="0" y="0"/>
+          <a:ext cx="0" cy="0"/>
+          <a:chOff x="0" y="0"/>
+          <a:chExt cx="0" cy="0"/>
+        </a:xfrm>
+      </p:grpSpPr>
+      <p:sp>
+        <p:nvSpPr>
+          <p:cNvPr id="2" name="Titre 1"/>
+          <p:cNvSpPr>
+            <a:spLocks noGrp="1"/>
+          </p:cNvSpPr>
+          <p:nvPr>
+            <p:ph type="title"/>
+          </p:nvPr>
+        </p:nvSpPr>
+        <p:spPr/>
+        <p:txBody>
+          <a:bodyPr/>
+          <a:lstStyle/>
+          <a:p>
+            <a:r>
+              <a:rPr lang="fr-FR" dirty="0" smtClean="0"/>
+              <a:t>Chapitre 02 </a:t>
+            </a:r>
+            <a:r>
+              <a:rPr lang="fr-FR" dirty="0"/>
+              <a:t>CSS – </a:t>
+            </a:r>
+            <a:r>
+              <a:rPr lang="fr-FR" dirty="0" smtClean="0"/>
+              <a:t>Listes attributs</a:t>
+            </a:r>
+            <a:endParaRPr lang="fr-FR" dirty="0"/>
+          </a:p>
+        </p:txBody>
+      </p:sp>
+      <p:sp>
+        <p:nvSpPr>
+          <p:cNvPr id="3" name="Espace réservé du contenu 2"/>
+          <p:cNvSpPr>
+            <a:spLocks noGrp="1"/>
+          </p:cNvSpPr>
+          <p:nvPr>
+            <p:ph idx="1"/>
+          </p:nvPr>
+        </p:nvSpPr>
+        <p:spPr/>
+        <p:txBody>
+          <a:bodyPr/>
+          <a:lstStyle/>
+          <a:p>
+            <a:r>
+              <a:rPr lang="fr-FR" dirty="0" err="1" smtClean="0"/>
+              <a:t>Color</a:t>
+            </a:r>
+            <a:r>
+              <a:rPr lang="fr-FR" dirty="0" smtClean="0"/>
+              <a:t> : change la couleur du texte.</a:t>
+            </a:r>
+          </a:p>
+          <a:p>
+            <a:r>
+              <a:rPr lang="fr-FR" dirty="0" smtClean="0"/>
+              <a:t>Background: change la couleur, l’image et la position du fond.</a:t>
+            </a:r>
+          </a:p>
+          <a:p>
+            <a:r>
+              <a:rPr lang="fr-FR" dirty="0" smtClean="0"/>
+              <a:t>Display: change le comportement d’une balise dans le flux.</a:t>
+            </a:r>
+          </a:p>
+          <a:p>
+            <a:r>
+              <a:rPr lang="fr-FR" dirty="0" err="1" smtClean="0"/>
+              <a:t>Width</a:t>
+            </a:r>
+            <a:r>
+              <a:rPr lang="fr-FR" dirty="0" smtClean="0"/>
+              <a:t>: change la largeur d’une balise.</a:t>
+            </a:r>
+          </a:p>
+          <a:p>
+            <a:r>
+              <a:rPr lang="fr-FR" dirty="0" err="1" smtClean="0"/>
+              <a:t>Height</a:t>
+            </a:r>
+            <a:r>
+              <a:rPr lang="fr-FR" dirty="0" smtClean="0"/>
+              <a:t>: change la hauteur.</a:t>
+            </a:r>
+          </a:p>
+          <a:p>
+            <a:r>
+              <a:rPr lang="fr-FR" dirty="0" err="1" smtClean="0"/>
+              <a:t>Ect</a:t>
+            </a:r>
+            <a:r>
+              <a:rPr lang="fr-FR" dirty="0" smtClean="0"/>
+              <a:t>…</a:t>
+            </a:r>
+            <a:endParaRPr lang="fr-FR" dirty="0"/>
+          </a:p>
+        </p:txBody>
+      </p:sp>
+    </p:spTree>
+    <p:extLst>
+      <p:ext uri="{BB962C8B-B14F-4D97-AF65-F5344CB8AC3E}">
+        <p14:creationId xmlns:p14="http://schemas.microsoft.com/office/powerpoint/2010/main" val="4132258891"/>
       </p:ext>
     </p:extLst>
   </p:cSld>

--- a/Formation HTML.pptx
+++ b/Formation HTML.pptx
@@ -218,7 +218,7 @@
           <a:effectLst/>
           <a:extLst>
             <a:ext uri="{91240B29-F687-4f45-9708-019B960494DF}">
-              <a14:hiddenLine xmlns:a14="http://schemas.microsoft.com/office/drawing/2010/main" xmlns="" w="9525">
+              <a14:hiddenLine xmlns="" xmlns:a14="http://schemas.microsoft.com/office/drawing/2010/main" w="9525">
                 <a:solidFill>
                   <a:srgbClr val="000000"/>
                 </a:solidFill>
@@ -411,7 +411,7 @@
             <a:fld id="{08B9EBBA-996F-894A-B54A-D6246ED52CEA}" type="datetimeFigureOut">
               <a:rPr lang="en-US" dirty="0"/>
               <a:pPr/>
-              <a:t>9/9/2016</a:t>
+              <a:t>9/23/2016</a:t>
             </a:fld>
             <a:endParaRPr lang="en-US" dirty="0"/>
           </a:p>
@@ -726,7 +726,7 @@
             <a:fld id="{18C79C5D-2A6F-F04D-97DA-BEF2467B64E4}" type="datetimeFigureOut">
               <a:rPr lang="en-US" dirty="0"/>
               <a:pPr/>
-              <a:t>9/9/2016</a:t>
+              <a:t>9/23/2016</a:t>
             </a:fld>
             <a:endParaRPr lang="en-US" dirty="0"/>
           </a:p>
@@ -1211,7 +1211,7 @@
             <a:fld id="{8DFA1846-DA80-1C48-A609-854EA85C59AD}" type="datetimeFigureOut">
               <a:rPr lang="en-US" dirty="0"/>
               <a:pPr/>
-              <a:t>9/9/2016</a:t>
+              <a:t>9/23/2016</a:t>
             </a:fld>
             <a:endParaRPr lang="en-US" dirty="0"/>
           </a:p>
@@ -1577,7 +1577,7 @@
             <a:fld id="{FBF54567-0DE4-3F47-BF90-CB84690072F9}" type="datetimeFigureOut">
               <a:rPr lang="en-US" dirty="0"/>
               <a:pPr/>
-              <a:t>9/9/2016</a:t>
+              <a:t>9/23/2016</a:t>
             </a:fld>
             <a:endParaRPr lang="en-US" dirty="0"/>
           </a:p>
@@ -1728,7 +1728,7 @@
           <a:ln/>
           <a:extLst>
             <a:ext uri="{91240B29-F687-4f45-9708-019B960494DF}">
-              <a14:hiddenLine xmlns:a14="http://schemas.microsoft.com/office/drawing/2010/main" xmlns="" w="9525">
+              <a14:hiddenLine xmlns="" xmlns:a14="http://schemas.microsoft.com/office/drawing/2010/main" w="9525">
                 <a:solidFill>
                   <a:srgbClr val="000000"/>
                 </a:solidFill>
@@ -1847,7 +1847,7 @@
             <a:fld id="{C6C52C72-DE31-F449-A4ED-4C594FD91407}" type="datetimeFigureOut">
               <a:rPr lang="en-US" dirty="0"/>
               <a:pPr/>
-              <a:t>9/9/2016</a:t>
+              <a:t>9/23/2016</a:t>
             </a:fld>
             <a:endParaRPr lang="en-US" dirty="0"/>
           </a:p>
@@ -2000,7 +2000,7 @@
           <a:ln/>
           <a:extLst>
             <a:ext uri="{91240B29-F687-4f45-9708-019B960494DF}">
-              <a14:hiddenLine xmlns:a14="http://schemas.microsoft.com/office/drawing/2010/main" xmlns="" w="9525">
+              <a14:hiddenLine xmlns="" xmlns:a14="http://schemas.microsoft.com/office/drawing/2010/main" w="9525">
                 <a:solidFill>
                   <a:srgbClr val="000000"/>
                 </a:solidFill>
@@ -2129,7 +2129,7 @@
             <a:fld id="{ED62726E-379B-B349-9EED-81ED093FA806}" type="datetimeFigureOut">
               <a:rPr lang="en-US" dirty="0"/>
               <a:pPr/>
-              <a:t>9/9/2016</a:t>
+              <a:t>9/23/2016</a:t>
             </a:fld>
             <a:endParaRPr lang="en-US" dirty="0"/>
           </a:p>
@@ -2280,7 +2280,7 @@
           <a:ln/>
           <a:extLst>
             <a:ext uri="{91240B29-F687-4f45-9708-019B960494DF}">
-              <a14:hiddenLine xmlns:a14="http://schemas.microsoft.com/office/drawing/2010/main" xmlns="" w="9525">
+              <a14:hiddenLine xmlns="" xmlns:a14="http://schemas.microsoft.com/office/drawing/2010/main" w="9525">
                 <a:solidFill>
                   <a:srgbClr val="000000"/>
                 </a:solidFill>
@@ -2409,7 +2409,7 @@
             <a:fld id="{9B3A1323-8D79-1946-B0D7-40001CF92E9D}" type="datetimeFigureOut">
               <a:rPr lang="en-US" dirty="0"/>
               <a:pPr/>
-              <a:t>9/9/2016</a:t>
+              <a:t>9/23/2016</a:t>
             </a:fld>
             <a:endParaRPr lang="en-US" dirty="0"/>
           </a:p>
@@ -2749,7 +2749,7 @@
             <a:fld id="{8DFA1846-DA80-1C48-A609-854EA85C59AD}" type="datetimeFigureOut">
               <a:rPr lang="en-US" dirty="0"/>
               <a:pPr/>
-              <a:t>9/9/2016</a:t>
+              <a:t>9/23/2016</a:t>
             </a:fld>
             <a:endParaRPr lang="en-US" dirty="0"/>
           </a:p>
@@ -2900,7 +2900,7 @@
           <a:ln/>
           <a:extLst>
             <a:ext uri="{91240B29-F687-4f45-9708-019B960494DF}">
-              <a14:hiddenLine xmlns:a14="http://schemas.microsoft.com/office/drawing/2010/main" xmlns="" w="9525">
+              <a14:hiddenLine xmlns="" xmlns:a14="http://schemas.microsoft.com/office/drawing/2010/main" w="9525">
                 <a:solidFill>
                   <a:srgbClr val="000000"/>
                 </a:solidFill>
@@ -3085,7 +3085,7 @@
             <a:fld id="{57302355-E14B-8545-A8F8-0FE83CC9D524}" type="datetimeFigureOut">
               <a:rPr lang="en-US" dirty="0"/>
               <a:pPr/>
-              <a:t>9/9/2016</a:t>
+              <a:t>9/23/2016</a:t>
             </a:fld>
             <a:endParaRPr lang="en-US" dirty="0"/>
           </a:p>
@@ -3236,7 +3236,7 @@
           <a:ln/>
           <a:extLst>
             <a:ext uri="{91240B29-F687-4f45-9708-019B960494DF}">
-              <a14:hiddenLine xmlns:a14="http://schemas.microsoft.com/office/drawing/2010/main" xmlns="" w="9525">
+              <a14:hiddenLine xmlns="" xmlns:a14="http://schemas.microsoft.com/office/drawing/2010/main" w="9525">
                 <a:solidFill>
                   <a:srgbClr val="000000"/>
                 </a:solidFill>
@@ -3559,7 +3559,7 @@
             <a:fld id="{02640F58-564D-2B4F-AE67-E407BA4FCF45}" type="datetimeFigureOut">
               <a:rPr lang="en-US" dirty="0"/>
               <a:pPr/>
-              <a:t>9/9/2016</a:t>
+              <a:t>9/23/2016</a:t>
             </a:fld>
             <a:endParaRPr lang="en-US" dirty="0"/>
           </a:p>
@@ -3710,7 +3710,7 @@
           <a:ln/>
           <a:extLst>
             <a:ext uri="{91240B29-F687-4f45-9708-019B960494DF}">
-              <a14:hiddenLine xmlns:a14="http://schemas.microsoft.com/office/drawing/2010/main" xmlns="" w="9525">
+              <a14:hiddenLine xmlns="" xmlns:a14="http://schemas.microsoft.com/office/drawing/2010/main" w="9525">
                 <a:solidFill>
                   <a:srgbClr val="000000"/>
                 </a:solidFill>
@@ -3777,7 +3777,7 @@
             <a:fld id="{F13A34C8-038E-2045-AF43-DF7DBB8E0E9E}" type="datetimeFigureOut">
               <a:rPr lang="en-US" dirty="0"/>
               <a:pPr/>
-              <a:t>9/9/2016</a:t>
+              <a:t>9/23/2016</a:t>
             </a:fld>
             <a:endParaRPr lang="en-US" dirty="0"/>
           </a:p>
@@ -3869,7 +3869,7 @@
             <a:fld id="{8818C68F-D26B-8F47-958C-23B49CF8A634}" type="datetimeFigureOut">
               <a:rPr lang="en-US" dirty="0"/>
               <a:pPr/>
-              <a:t>9/9/2016</a:t>
+              <a:t>9/23/2016</a:t>
             </a:fld>
             <a:endParaRPr lang="en-US" dirty="0"/>
           </a:p>
@@ -4133,7 +4133,7 @@
           <a:ln/>
           <a:extLst>
             <a:ext uri="{91240B29-F687-4f45-9708-019B960494DF}">
-              <a14:hiddenLine xmlns:a14="http://schemas.microsoft.com/office/drawing/2010/main" xmlns="" w="9525">
+              <a14:hiddenLine xmlns="" xmlns:a14="http://schemas.microsoft.com/office/drawing/2010/main" w="9525">
                 <a:solidFill>
                   <a:srgbClr val="000000"/>
                 </a:solidFill>
@@ -4333,7 +4333,7 @@
             <a:fld id="{D0DF5E60-9974-AC48-9591-99C2BB44B7CF}" type="datetimeFigureOut">
               <a:rPr lang="en-US" dirty="0"/>
               <a:pPr/>
-              <a:t>9/9/2016</a:t>
+              <a:t>9/23/2016</a:t>
             </a:fld>
             <a:endParaRPr lang="en-US" dirty="0"/>
           </a:p>
@@ -4643,7 +4643,7 @@
             <a:fld id="{18C79C5D-2A6F-F04D-97DA-BEF2467B64E4}" type="datetimeFigureOut">
               <a:rPr lang="en-US" dirty="0"/>
               <a:pPr/>
-              <a:t>9/9/2016</a:t>
+              <a:t>9/23/2016</a:t>
             </a:fld>
             <a:endParaRPr lang="en-US" dirty="0"/>
           </a:p>
@@ -4910,7 +4910,7 @@
             <a:fld id="{09B482E8-6E0E-1B4F-B1FD-C69DB9E858D9}" type="datetimeFigureOut">
               <a:rPr lang="en-US" dirty="0"/>
               <a:pPr/>
-              <a:t>9/9/2016</a:t>
+              <a:t>9/23/2016</a:t>
             </a:fld>
             <a:endParaRPr lang="en-US" dirty="0"/>
           </a:p>
@@ -5509,11 +5509,7 @@
           <a:p>
             <a:r>
               <a:rPr lang="fr-FR" dirty="0" smtClean="0"/>
-              <a:t>De travailler à plusieurs sans se marcher dessus</a:t>
-            </a:r>
-            <a:r>
-              <a:rPr lang="fr-FR" dirty="0" smtClean="0"/>
-              <a:t>.</a:t>
+              <a:t>De travailler à plusieurs sans se marcher dessus.</a:t>
             </a:r>
           </a:p>
           <a:p>
@@ -5853,11 +5849,7 @@
           <a:p>
             <a:r>
               <a:rPr lang="fr-FR" dirty="0" smtClean="0"/>
-              <a:t>Chapitre 01 HTML – </a:t>
-            </a:r>
-            <a:r>
-              <a:rPr lang="fr-FR" dirty="0" smtClean="0"/>
-              <a:t>Schéma</a:t>
+              <a:t>Chapitre 01 HTML – Schéma</a:t>
             </a:r>
             <a:endParaRPr lang="fr-FR" dirty="0"/>
           </a:p>
@@ -6072,8 +6064,45 @@
             </a:pPr>
             <a:r>
               <a:rPr lang="fr-FR" dirty="0" smtClean="0"/>
-              <a:t>Le HTML a une structure arborescente</a:t>
-            </a:r>
+              <a:t>Le HTML a une structure </a:t>
+            </a:r>
+            <a:r>
+              <a:rPr lang="fr-FR" dirty="0" smtClean="0"/>
+              <a:t>arborescente</a:t>
+            </a:r>
+          </a:p>
+          <a:p>
+            <a:pPr>
+              <a:buFont typeface="Courier New" panose="02070309020205020404" pitchFamily="49" charset="0"/>
+              <a:buChar char="o"/>
+            </a:pPr>
+            <a:r>
+              <a:rPr lang="fr-FR" dirty="0">
+                <a:ln w="0"/>
+                <a:effectLst>
+                  <a:outerShdw blurRad="38100" dist="19050" dir="2700000" algn="tl" rotWithShape="0">
+                    <a:schemeClr val="dk1">
+                      <a:alpha val="40000"/>
+                    </a:schemeClr>
+                  </a:outerShdw>
+                </a:effectLst>
+              </a:rPr>
+              <a:t>Le DOCTYPE est la première balise d’une page html, elle indique au navigateur qu’il s’agit d’une page web faite en HTML</a:t>
+            </a:r>
+            <a:r>
+              <a:rPr lang="fr-FR" dirty="0" smtClean="0">
+                <a:ln w="0"/>
+                <a:effectLst>
+                  <a:outerShdw blurRad="38100" dist="19050" dir="2700000" algn="tl" rotWithShape="0">
+                    <a:schemeClr val="dk1">
+                      <a:alpha val="40000"/>
+                    </a:schemeClr>
+                  </a:outerShdw>
+                </a:effectLst>
+              </a:rPr>
+              <a:t>.</a:t>
+            </a:r>
+            <a:endParaRPr lang="fr-FR" dirty="0" smtClean="0"/>
           </a:p>
           <a:p>
             <a:pPr>
@@ -6220,6 +6249,19 @@
               <a:buChar char="o"/>
             </a:pPr>
             <a:r>
+              <a:rPr lang="fr-FR" dirty="0">
+                <a:ln w="0"/>
+                <a:effectLst>
+                  <a:outerShdw blurRad="38100" dist="19050" dir="2700000" algn="tl" rotWithShape="0">
+                    <a:schemeClr val="dk1">
+                      <a:alpha val="40000"/>
+                    </a:schemeClr>
+                  </a:outerShdw>
+                </a:effectLst>
+              </a:rPr>
+              <a:t>Les </a:t>
+            </a:r>
+            <a:r>
               <a:rPr lang="fr-FR" dirty="0" smtClean="0">
                 <a:ln w="0"/>
                 <a:effectLst>
@@ -6230,8 +6272,50 @@
                   </a:outerShdw>
                 </a:effectLst>
               </a:rPr>
-              <a:t>Il existe deux type de balise: les balises en paires et les balises orphelines.</a:t>
-            </a:r>
+              <a:t>informations </a:t>
+            </a:r>
+            <a:r>
+              <a:rPr lang="fr-FR" dirty="0">
+                <a:ln w="0"/>
+                <a:effectLst>
+                  <a:outerShdw blurRad="38100" dist="19050" dir="2700000" algn="tl" rotWithShape="0">
+                    <a:schemeClr val="dk1">
+                      <a:alpha val="40000"/>
+                    </a:schemeClr>
+                  </a:outerShdw>
+                </a:effectLst>
+              </a:rPr>
+              <a:t>affiché sont contenues dans la balise </a:t>
+            </a:r>
+            <a:r>
+              <a:rPr lang="fr-FR" dirty="0" smtClean="0">
+                <a:ln w="0"/>
+                <a:solidFill>
+                  <a:schemeClr val="accent1"/>
+                </a:solidFill>
+                <a:effectLst>
+                  <a:outerShdw blurRad="38100" dist="25400" dir="5400000" algn="ctr" rotWithShape="0">
+                    <a:srgbClr val="6E747A">
+                      <a:alpha val="43000"/>
+                    </a:srgbClr>
+                  </a:outerShdw>
+                </a:effectLst>
+              </a:rPr>
+              <a:t>&lt;body&gt;</a:t>
+            </a:r>
+            <a:endParaRPr lang="fr-FR" dirty="0" smtClean="0">
+              <a:ln w="0"/>
+              <a:solidFill>
+                <a:schemeClr val="accent1"/>
+              </a:solidFill>
+              <a:effectLst>
+                <a:outerShdw blurRad="38100" dist="25400" dir="5400000" algn="ctr" rotWithShape="0">
+                  <a:srgbClr val="6E747A">
+                    <a:alpha val="43000"/>
+                  </a:srgbClr>
+                </a:outerShdw>
+              </a:effectLst>
+            </a:endParaRPr>
           </a:p>
           <a:p>
             <a:pPr>
@@ -6249,7 +6333,20 @@
                   </a:outerShdw>
                 </a:effectLst>
               </a:rPr>
-              <a:t>Le DOCTYPE est la première balise d’une page html, elle indique au navigateur qu’il s’agit d’une page web faite en HTML.</a:t>
+              <a:t>Il </a:t>
+            </a:r>
+            <a:r>
+              <a:rPr lang="fr-FR" dirty="0" smtClean="0">
+                <a:ln w="0"/>
+                <a:effectLst>
+                  <a:outerShdw blurRad="38100" dist="19050" dir="2700000" algn="tl" rotWithShape="0">
+                    <a:schemeClr val="dk1">
+                      <a:alpha val="40000"/>
+                    </a:schemeClr>
+                  </a:outerShdw>
+                </a:effectLst>
+              </a:rPr>
+              <a:t>existe deux type de balise: les balises en paires et les balises orphelines.</a:t>
             </a:r>
           </a:p>
           <a:p>
@@ -6344,7 +6441,12 @@
             <p:ph idx="1"/>
           </p:nvPr>
         </p:nvSpPr>
-        <p:spPr/>
+        <p:spPr>
+          <a:xfrm>
+            <a:off x="818712" y="2222287"/>
+            <a:ext cx="10554574" cy="1348603"/>
+          </a:xfrm>
+        </p:spPr>
         <p:txBody>
           <a:bodyPr/>
           <a:lstStyle/>
@@ -6717,51 +6819,7 @@
               </a:rPr>
               <a:t>&gt;</a:t>
             </a:r>
-          </a:p>
-          <a:p>
-            <a:pPr marL="0" indent="0">
-              <a:buNone/>
-            </a:pPr>
-            <a:r>
-              <a:rPr lang="fr-FR" dirty="0" smtClean="0">
-                <a:ln w="0"/>
-                <a:effectLst>
-                  <a:outerShdw blurRad="38100" dist="19050" dir="2700000" algn="tl" rotWithShape="0">
-                    <a:schemeClr val="dk1">
-                      <a:alpha val="40000"/>
-                    </a:schemeClr>
-                  </a:outerShdw>
-                </a:effectLst>
-              </a:rPr>
-              <a:t>Balise body contient le </a:t>
-            </a:r>
-            <a:r>
-              <a:rPr lang="fr-FR" dirty="0" err="1" smtClean="0">
-                <a:ln w="0"/>
-                <a:effectLst>
-                  <a:outerShdw blurRad="38100" dist="19050" dir="2700000" algn="tl" rotWithShape="0">
-                    <a:schemeClr val="dk1">
-                      <a:alpha val="40000"/>
-                    </a:schemeClr>
-                  </a:outerShdw>
-                </a:effectLst>
-              </a:rPr>
-              <a:t>corp</a:t>
-            </a:r>
-            <a:r>
-              <a:rPr lang="fr-FR" dirty="0" smtClean="0">
-                <a:ln w="0"/>
-                <a:effectLst>
-                  <a:outerShdw blurRad="38100" dist="19050" dir="2700000" algn="tl" rotWithShape="0">
-                    <a:schemeClr val="dk1">
-                      <a:alpha val="40000"/>
-                    </a:schemeClr>
-                  </a:outerShdw>
-                </a:effectLst>
-              </a:rPr>
-              <a:t> du site</a:t>
-            </a:r>
-            <a:endParaRPr lang="fr-FR" dirty="0">
+            <a:endParaRPr lang="fr-FR" dirty="0" smtClean="0">
               <a:ln w="0"/>
               <a:solidFill>
                 <a:schemeClr val="accent1"/>
@@ -6777,6 +6835,36 @@
           </a:p>
         </p:txBody>
       </p:sp>
+      <p:pic>
+        <p:nvPicPr>
+          <p:cNvPr id="4" name="Image 3"/>
+          <p:cNvPicPr>
+            <a:picLocks noChangeAspect="1"/>
+          </p:cNvPicPr>
+          <p:nvPr/>
+        </p:nvPicPr>
+        <p:blipFill>
+          <a:blip r:embed="rId2">
+            <a:extLst>
+              <a:ext uri="{28A0092B-C50C-407E-A947-70E740481C1C}">
+                <a14:useLocalDpi xmlns:a14="http://schemas.microsoft.com/office/drawing/2010/main" val="0"/>
+              </a:ext>
+            </a:extLst>
+          </a:blip>
+          <a:stretch>
+            <a:fillRect/>
+          </a:stretch>
+        </p:blipFill>
+        <p:spPr>
+          <a:xfrm>
+            <a:off x="945319" y="3570890"/>
+            <a:ext cx="4194240" cy="3150603"/>
+          </a:xfrm>
+          <a:prstGeom prst="rect">
+            <a:avLst/>
+          </a:prstGeom>
+        </p:spPr>
+      </p:pic>
     </p:spTree>
     <p:extLst>
       <p:ext uri="{BB962C8B-B14F-4D97-AF65-F5344CB8AC3E}">
@@ -6873,9 +6961,31 @@
             </a:r>
             <a:r>
               <a:rPr lang="fr-FR" dirty="0" smtClean="0"/>
-              <a:t> ou block.</a:t>
-            </a:r>
-            <a:endParaRPr lang="fr-FR" dirty="0"/>
+              <a:t> ou block</a:t>
+            </a:r>
+            <a:r>
+              <a:rPr lang="fr-FR" dirty="0" smtClean="0"/>
+              <a:t>.</a:t>
+            </a:r>
+          </a:p>
+          <a:p>
+            <a:r>
+              <a:rPr lang="fr-FR" dirty="0" smtClean="0"/>
+              <a:t>Liste non exhaustive de balise :</a:t>
+            </a:r>
+            <a:r>
+              <a:rPr lang="fr-FR" dirty="0"/>
+              <a:t> </a:t>
+            </a:r>
+            <a:r>
+              <a:rPr lang="fr-FR" dirty="0" err="1"/>
+              <a:t>openclassroom</a:t>
+            </a:r>
+            <a:r>
+              <a:rPr lang="fr-FR" dirty="0"/>
+              <a:t> memento html</a:t>
+            </a:r>
+            <a:endParaRPr lang="fr-FR" dirty="0" smtClean="0"/>
           </a:p>
         </p:txBody>
       </p:sp>
@@ -7097,7 +7207,12 @@
             <p:ph idx="1"/>
           </p:nvPr>
         </p:nvSpPr>
-        <p:spPr/>
+        <p:spPr>
+          <a:xfrm>
+            <a:off x="818712" y="2222288"/>
+            <a:ext cx="10554574" cy="985996"/>
+          </a:xfrm>
+        </p:spPr>
         <p:txBody>
           <a:bodyPr/>
           <a:lstStyle/>
@@ -7116,6 +7231,66 @@
           </a:p>
         </p:txBody>
       </p:sp>
+      <p:pic>
+        <p:nvPicPr>
+          <p:cNvPr id="4" name="Image 3"/>
+          <p:cNvPicPr>
+            <a:picLocks noChangeAspect="1"/>
+          </p:cNvPicPr>
+          <p:nvPr/>
+        </p:nvPicPr>
+        <p:blipFill>
+          <a:blip r:embed="rId2">
+            <a:extLst>
+              <a:ext uri="{28A0092B-C50C-407E-A947-70E740481C1C}">
+                <a14:useLocalDpi xmlns:a14="http://schemas.microsoft.com/office/drawing/2010/main" val="0"/>
+              </a:ext>
+            </a:extLst>
+          </a:blip>
+          <a:stretch>
+            <a:fillRect/>
+          </a:stretch>
+        </p:blipFill>
+        <p:spPr>
+          <a:xfrm>
+            <a:off x="1021961" y="3208284"/>
+            <a:ext cx="5426136" cy="3603294"/>
+          </a:xfrm>
+          <a:prstGeom prst="rect">
+            <a:avLst/>
+          </a:prstGeom>
+        </p:spPr>
+      </p:pic>
+      <p:pic>
+        <p:nvPicPr>
+          <p:cNvPr id="5" name="Image 4"/>
+          <p:cNvPicPr>
+            <a:picLocks noChangeAspect="1"/>
+          </p:cNvPicPr>
+          <p:nvPr/>
+        </p:nvPicPr>
+        <p:blipFill>
+          <a:blip r:embed="rId3">
+            <a:extLst>
+              <a:ext uri="{28A0092B-C50C-407E-A947-70E740481C1C}">
+                <a14:useLocalDpi xmlns:a14="http://schemas.microsoft.com/office/drawing/2010/main" val="0"/>
+              </a:ext>
+            </a:extLst>
+          </a:blip>
+          <a:stretch>
+            <a:fillRect/>
+          </a:stretch>
+        </p:blipFill>
+        <p:spPr>
+          <a:xfrm>
+            <a:off x="6529108" y="3208284"/>
+            <a:ext cx="5279263" cy="3632134"/>
+          </a:xfrm>
+          <a:prstGeom prst="rect">
+            <a:avLst/>
+          </a:prstGeom>
+        </p:spPr>
+      </p:pic>
     </p:spTree>
     <p:extLst>
       <p:ext uri="{BB962C8B-B14F-4D97-AF65-F5344CB8AC3E}">
